--- a/diagramas.pptx
+++ b/diagramas.pptx
@@ -115,6 +115,10 @@
 </p:presentation>
 </file>
 
+<file path=ppt/revisionInfo.xml><?xml version="1.0" encoding="utf-8"?>
+<p1510:revInfo xmlns:a="http://schemas.openxmlformats.org/drawingml/2006/main" xmlns:r="http://schemas.openxmlformats.org/officeDocument/2006/relationships" xmlns:p1510="http://schemas.microsoft.com/office/powerpoint/2015/10/main"/>
+</file>
+
 <file path=ppt/slideLayouts/slideLayout1.xml><?xml version="1.0" encoding="utf-8"?>
 <p:sldLayout xmlns:a="http://schemas.openxmlformats.org/drawingml/2006/main" xmlns:r="http://schemas.openxmlformats.org/officeDocument/2006/relationships" xmlns:p="http://schemas.openxmlformats.org/presentationml/2006/main" showMasterSp="0" type="title" preserve="1">
   <p:cSld name="Slide de Título">
@@ -172,7 +176,7 @@
           <a:noFill/>
           <a:extLst>
             <a:ext uri="{909E8E84-426E-40dd-AFC4-6F175D3DCCD1}">
-              <a14:hiddenFill xmlns:a14="http://schemas.microsoft.com/office/drawing/2010/main" xmlns="">
+              <a14:hiddenFill xmlns="" xmlns:a14="http://schemas.microsoft.com/office/drawing/2010/main">
                 <a:solidFill>
                   <a:srgbClr val="FFFFFF"/>
                 </a:solidFill>
@@ -232,7 +236,7 @@
             </a:ln>
             <a:extLst>
               <a:ext uri="{91240B29-F687-4f45-9708-019B960494DF}">
-                <a14:hiddenLine xmlns:a14="http://schemas.microsoft.com/office/drawing/2010/main" xmlns="" w="9525">
+                <a14:hiddenLine xmlns="" xmlns:a14="http://schemas.microsoft.com/office/drawing/2010/main" w="9525">
                   <a:solidFill>
                     <a:srgbClr val="000000"/>
                   </a:solidFill>
@@ -322,7 +326,7 @@
             </a:ln>
             <a:extLst>
               <a:ext uri="{91240B29-F687-4f45-9708-019B960494DF}">
-                <a14:hiddenLine xmlns:a14="http://schemas.microsoft.com/office/drawing/2010/main" xmlns="" w="9525">
+                <a14:hiddenLine xmlns="" xmlns:a14="http://schemas.microsoft.com/office/drawing/2010/main" w="9525">
                   <a:solidFill>
                     <a:srgbClr val="000000"/>
                   </a:solidFill>
@@ -412,7 +416,7 @@
             </a:ln>
             <a:extLst>
               <a:ext uri="{91240B29-F687-4f45-9708-019B960494DF}">
-                <a14:hiddenLine xmlns:a14="http://schemas.microsoft.com/office/drawing/2010/main" xmlns="" w="9525">
+                <a14:hiddenLine xmlns="" xmlns:a14="http://schemas.microsoft.com/office/drawing/2010/main" w="9525">
                   <a:solidFill>
                     <a:srgbClr val="000000"/>
                   </a:solidFill>
@@ -446,7 +450,7 @@
             </a:ln>
             <a:extLst>
               <a:ext uri="{91240B29-F687-4f45-9708-019B960494DF}">
-                <a14:hiddenLine xmlns:a14="http://schemas.microsoft.com/office/drawing/2010/main" xmlns="" w="9525">
+                <a14:hiddenLine xmlns="" xmlns:a14="http://schemas.microsoft.com/office/drawing/2010/main" w="9525">
                   <a:solidFill>
                     <a:srgbClr val="000000"/>
                   </a:solidFill>
@@ -536,7 +540,7 @@
             </a:ln>
             <a:extLst>
               <a:ext uri="{91240B29-F687-4f45-9708-019B960494DF}">
-                <a14:hiddenLine xmlns:a14="http://schemas.microsoft.com/office/drawing/2010/main" xmlns="" w="9525">
+                <a14:hiddenLine xmlns="" xmlns:a14="http://schemas.microsoft.com/office/drawing/2010/main" w="9525">
                   <a:solidFill>
                     <a:srgbClr val="000000"/>
                   </a:solidFill>
@@ -598,7 +602,7 @@
             </a:ln>
             <a:extLst>
               <a:ext uri="{91240B29-F687-4f45-9708-019B960494DF}">
-                <a14:hiddenLine xmlns:a14="http://schemas.microsoft.com/office/drawing/2010/main" xmlns="" w="9525">
+                <a14:hiddenLine xmlns="" xmlns:a14="http://schemas.microsoft.com/office/drawing/2010/main" w="9525">
                   <a:solidFill>
                     <a:srgbClr val="000000"/>
                   </a:solidFill>
@@ -660,7 +664,7 @@
             </a:ln>
             <a:extLst>
               <a:ext uri="{91240B29-F687-4f45-9708-019B960494DF}">
-                <a14:hiddenLine xmlns:a14="http://schemas.microsoft.com/office/drawing/2010/main" xmlns="" w="9525">
+                <a14:hiddenLine xmlns="" xmlns:a14="http://schemas.microsoft.com/office/drawing/2010/main" w="9525">
                   <a:solidFill>
                     <a:srgbClr val="000000"/>
                   </a:solidFill>
@@ -750,7 +754,7 @@
             </a:ln>
             <a:extLst>
               <a:ext uri="{91240B29-F687-4f45-9708-019B960494DF}">
-                <a14:hiddenLine xmlns:a14="http://schemas.microsoft.com/office/drawing/2010/main" xmlns="" w="9525">
+                <a14:hiddenLine xmlns="" xmlns:a14="http://schemas.microsoft.com/office/drawing/2010/main" w="9525">
                   <a:solidFill>
                     <a:srgbClr val="000000"/>
                   </a:solidFill>
@@ -812,7 +816,7 @@
             </a:ln>
             <a:extLst>
               <a:ext uri="{91240B29-F687-4f45-9708-019B960494DF}">
-                <a14:hiddenLine xmlns:a14="http://schemas.microsoft.com/office/drawing/2010/main" xmlns="" w="9525">
+                <a14:hiddenLine xmlns="" xmlns:a14="http://schemas.microsoft.com/office/drawing/2010/main" w="9525">
                   <a:solidFill>
                     <a:srgbClr val="000000"/>
                   </a:solidFill>
@@ -874,7 +878,7 @@
             </a:ln>
             <a:extLst>
               <a:ext uri="{91240B29-F687-4f45-9708-019B960494DF}">
-                <a14:hiddenLine xmlns:a14="http://schemas.microsoft.com/office/drawing/2010/main" xmlns="" w="9525">
+                <a14:hiddenLine xmlns="" xmlns:a14="http://schemas.microsoft.com/office/drawing/2010/main" w="9525">
                   <a:solidFill>
                     <a:srgbClr val="000000"/>
                   </a:solidFill>
@@ -964,7 +968,7 @@
             </a:ln>
             <a:extLst>
               <a:ext uri="{91240B29-F687-4f45-9708-019B960494DF}">
-                <a14:hiddenLine xmlns:a14="http://schemas.microsoft.com/office/drawing/2010/main" xmlns="" w="9525">
+                <a14:hiddenLine xmlns="" xmlns:a14="http://schemas.microsoft.com/office/drawing/2010/main" w="9525">
                   <a:solidFill>
                     <a:srgbClr val="000000"/>
                   </a:solidFill>
@@ -1054,7 +1058,7 @@
             </a:ln>
             <a:extLst>
               <a:ext uri="{91240B29-F687-4f45-9708-019B960494DF}">
-                <a14:hiddenLine xmlns:a14="http://schemas.microsoft.com/office/drawing/2010/main" xmlns="" w="9525">
+                <a14:hiddenLine xmlns="" xmlns:a14="http://schemas.microsoft.com/office/drawing/2010/main" w="9525">
                   <a:solidFill>
                     <a:srgbClr val="000000"/>
                   </a:solidFill>
@@ -1116,7 +1120,7 @@
             </a:ln>
             <a:extLst>
               <a:ext uri="{91240B29-F687-4f45-9708-019B960494DF}">
-                <a14:hiddenLine xmlns:a14="http://schemas.microsoft.com/office/drawing/2010/main" xmlns="" w="9525">
+                <a14:hiddenLine xmlns="" xmlns:a14="http://schemas.microsoft.com/office/drawing/2010/main" w="9525">
                   <a:solidFill>
                     <a:srgbClr val="000000"/>
                   </a:solidFill>
@@ -1226,7 +1230,7 @@
             </a:ln>
             <a:extLst>
               <a:ext uri="{91240B29-F687-4f45-9708-019B960494DF}">
-                <a14:hiddenLine xmlns:a14="http://schemas.microsoft.com/office/drawing/2010/main" xmlns="" w="9525">
+                <a14:hiddenLine xmlns="" xmlns:a14="http://schemas.microsoft.com/office/drawing/2010/main" w="9525">
                   <a:solidFill>
                     <a:srgbClr val="000000"/>
                   </a:solidFill>
@@ -1288,7 +1292,7 @@
             </a:ln>
             <a:extLst>
               <a:ext uri="{91240B29-F687-4f45-9708-019B960494DF}">
-                <a14:hiddenLine xmlns:a14="http://schemas.microsoft.com/office/drawing/2010/main" xmlns="" w="9525">
+                <a14:hiddenLine xmlns="" xmlns:a14="http://schemas.microsoft.com/office/drawing/2010/main" w="9525">
                   <a:solidFill>
                     <a:srgbClr val="000000"/>
                   </a:solidFill>
@@ -1378,7 +1382,7 @@
             </a:ln>
             <a:extLst>
               <a:ext uri="{91240B29-F687-4f45-9708-019B960494DF}">
-                <a14:hiddenLine xmlns:a14="http://schemas.microsoft.com/office/drawing/2010/main" xmlns="" w="9525">
+                <a14:hiddenLine xmlns="" xmlns:a14="http://schemas.microsoft.com/office/drawing/2010/main" w="9525">
                   <a:solidFill>
                     <a:srgbClr val="000000"/>
                   </a:solidFill>
@@ -1468,7 +1472,7 @@
             </a:ln>
             <a:extLst>
               <a:ext uri="{91240B29-F687-4f45-9708-019B960494DF}">
-                <a14:hiddenLine xmlns:a14="http://schemas.microsoft.com/office/drawing/2010/main" xmlns="" w="9525">
+                <a14:hiddenLine xmlns="" xmlns:a14="http://schemas.microsoft.com/office/drawing/2010/main" w="9525">
                   <a:solidFill>
                     <a:srgbClr val="000000"/>
                   </a:solidFill>
@@ -1530,7 +1534,7 @@
             </a:ln>
             <a:extLst>
               <a:ext uri="{91240B29-F687-4f45-9708-019B960494DF}">
-                <a14:hiddenLine xmlns:a14="http://schemas.microsoft.com/office/drawing/2010/main" xmlns="" w="9525">
+                <a14:hiddenLine xmlns="" xmlns:a14="http://schemas.microsoft.com/office/drawing/2010/main" w="9525">
                   <a:solidFill>
                     <a:srgbClr val="000000"/>
                   </a:solidFill>
@@ -1620,7 +1624,7 @@
             </a:ln>
             <a:extLst>
               <a:ext uri="{91240B29-F687-4f45-9708-019B960494DF}">
-                <a14:hiddenLine xmlns:a14="http://schemas.microsoft.com/office/drawing/2010/main" xmlns="" w="9525">
+                <a14:hiddenLine xmlns="" xmlns:a14="http://schemas.microsoft.com/office/drawing/2010/main" w="9525">
                   <a:solidFill>
                     <a:srgbClr val="000000"/>
                   </a:solidFill>
@@ -1710,7 +1714,7 @@
             </a:ln>
             <a:extLst>
               <a:ext uri="{91240B29-F687-4f45-9708-019B960494DF}">
-                <a14:hiddenLine xmlns:a14="http://schemas.microsoft.com/office/drawing/2010/main" xmlns="" w="9525">
+                <a14:hiddenLine xmlns="" xmlns:a14="http://schemas.microsoft.com/office/drawing/2010/main" w="9525">
                   <a:solidFill>
                     <a:srgbClr val="000000"/>
                   </a:solidFill>
@@ -1766,7 +1770,7 @@
             </a:ln>
             <a:extLst>
               <a:ext uri="{91240B29-F687-4f45-9708-019B960494DF}">
-                <a14:hiddenLine xmlns:a14="http://schemas.microsoft.com/office/drawing/2010/main" xmlns="" w="9525">
+                <a14:hiddenLine xmlns="" xmlns:a14="http://schemas.microsoft.com/office/drawing/2010/main" w="9525">
                   <a:solidFill>
                     <a:srgbClr val="000000"/>
                   </a:solidFill>
@@ -1856,7 +1860,7 @@
             </a:ln>
             <a:extLst>
               <a:ext uri="{91240B29-F687-4f45-9708-019B960494DF}">
-                <a14:hiddenLine xmlns:a14="http://schemas.microsoft.com/office/drawing/2010/main" xmlns="" w="9525">
+                <a14:hiddenLine xmlns="" xmlns:a14="http://schemas.microsoft.com/office/drawing/2010/main" w="9525">
                   <a:solidFill>
                     <a:srgbClr val="000000"/>
                   </a:solidFill>
@@ -1912,7 +1916,7 @@
             </a:ln>
             <a:extLst>
               <a:ext uri="{91240B29-F687-4f45-9708-019B960494DF}">
-                <a14:hiddenLine xmlns:a14="http://schemas.microsoft.com/office/drawing/2010/main" xmlns="" w="9525">
+                <a14:hiddenLine xmlns="" xmlns:a14="http://schemas.microsoft.com/office/drawing/2010/main" w="9525">
                   <a:solidFill>
                     <a:srgbClr val="000000"/>
                   </a:solidFill>
@@ -2002,7 +2006,7 @@
             </a:ln>
             <a:extLst>
               <a:ext uri="{91240B29-F687-4f45-9708-019B960494DF}">
-                <a14:hiddenLine xmlns:a14="http://schemas.microsoft.com/office/drawing/2010/main" xmlns="" w="9525">
+                <a14:hiddenLine xmlns="" xmlns:a14="http://schemas.microsoft.com/office/drawing/2010/main" w="9525">
                   <a:solidFill>
                     <a:srgbClr val="000000"/>
                   </a:solidFill>
@@ -2070,7 +2074,7 @@
             </a:ln>
             <a:extLst>
               <a:ext uri="{91240B29-F687-4f45-9708-019B960494DF}">
-                <a14:hiddenLine xmlns:a14="http://schemas.microsoft.com/office/drawing/2010/main" xmlns="" w="9525">
+                <a14:hiddenLine xmlns="" xmlns:a14="http://schemas.microsoft.com/office/drawing/2010/main" w="9525">
                   <a:solidFill>
                     <a:srgbClr val="000000"/>
                   </a:solidFill>
@@ -2160,7 +2164,7 @@
             </a:ln>
             <a:extLst>
               <a:ext uri="{91240B29-F687-4f45-9708-019B960494DF}">
-                <a14:hiddenLine xmlns:a14="http://schemas.microsoft.com/office/drawing/2010/main" xmlns="" w="9525">
+                <a14:hiddenLine xmlns="" xmlns:a14="http://schemas.microsoft.com/office/drawing/2010/main" w="9525">
                   <a:solidFill>
                     <a:srgbClr val="000000"/>
                   </a:solidFill>
@@ -2228,7 +2232,7 @@
             </a:ln>
             <a:extLst>
               <a:ext uri="{91240B29-F687-4f45-9708-019B960494DF}">
-                <a14:hiddenLine xmlns:a14="http://schemas.microsoft.com/office/drawing/2010/main" xmlns="" w="9525">
+                <a14:hiddenLine xmlns="" xmlns:a14="http://schemas.microsoft.com/office/drawing/2010/main" w="9525">
                   <a:solidFill>
                     <a:srgbClr val="000000"/>
                   </a:solidFill>
@@ -2318,7 +2322,7 @@
             </a:ln>
             <a:extLst>
               <a:ext uri="{91240B29-F687-4f45-9708-019B960494DF}">
-                <a14:hiddenLine xmlns:a14="http://schemas.microsoft.com/office/drawing/2010/main" xmlns="" w="9525">
+                <a14:hiddenLine xmlns="" xmlns:a14="http://schemas.microsoft.com/office/drawing/2010/main" w="9525">
                   <a:solidFill>
                     <a:srgbClr val="000000"/>
                   </a:solidFill>
@@ -2352,7 +2356,7 @@
             </a:ln>
             <a:extLst>
               <a:ext uri="{91240B29-F687-4f45-9708-019B960494DF}">
-                <a14:hiddenLine xmlns:a14="http://schemas.microsoft.com/office/drawing/2010/main" xmlns="" w="9525">
+                <a14:hiddenLine xmlns="" xmlns:a14="http://schemas.microsoft.com/office/drawing/2010/main" w="9525">
                   <a:solidFill>
                     <a:srgbClr val="000000"/>
                   </a:solidFill>
@@ -2442,7 +2446,7 @@
             </a:ln>
             <a:extLst>
               <a:ext uri="{91240B29-F687-4f45-9708-019B960494DF}">
-                <a14:hiddenLine xmlns:a14="http://schemas.microsoft.com/office/drawing/2010/main" xmlns="" w="9525">
+                <a14:hiddenLine xmlns="" xmlns:a14="http://schemas.microsoft.com/office/drawing/2010/main" w="9525">
                   <a:solidFill>
                     <a:srgbClr val="000000"/>
                   </a:solidFill>
@@ -2504,7 +2508,7 @@
             </a:ln>
             <a:extLst>
               <a:ext uri="{91240B29-F687-4f45-9708-019B960494DF}">
-                <a14:hiddenLine xmlns:a14="http://schemas.microsoft.com/office/drawing/2010/main" xmlns="" w="9525">
+                <a14:hiddenLine xmlns="" xmlns:a14="http://schemas.microsoft.com/office/drawing/2010/main" w="9525">
                   <a:solidFill>
                     <a:srgbClr val="000000"/>
                   </a:solidFill>
@@ -2566,7 +2570,7 @@
             </a:ln>
             <a:extLst>
               <a:ext uri="{91240B29-F687-4f45-9708-019B960494DF}">
-                <a14:hiddenLine xmlns:a14="http://schemas.microsoft.com/office/drawing/2010/main" xmlns="" w="9525">
+                <a14:hiddenLine xmlns="" xmlns:a14="http://schemas.microsoft.com/office/drawing/2010/main" w="9525">
                   <a:solidFill>
                     <a:srgbClr val="000000"/>
                   </a:solidFill>
@@ -2656,7 +2660,7 @@
             </a:ln>
             <a:extLst>
               <a:ext uri="{91240B29-F687-4f45-9708-019B960494DF}">
-                <a14:hiddenLine xmlns:a14="http://schemas.microsoft.com/office/drawing/2010/main" xmlns="" w="9525">
+                <a14:hiddenLine xmlns="" xmlns:a14="http://schemas.microsoft.com/office/drawing/2010/main" w="9525">
                   <a:solidFill>
                     <a:srgbClr val="000000"/>
                   </a:solidFill>
@@ -2724,7 +2728,7 @@
             </a:ln>
             <a:extLst>
               <a:ext uri="{91240B29-F687-4f45-9708-019B960494DF}">
-                <a14:hiddenLine xmlns:a14="http://schemas.microsoft.com/office/drawing/2010/main" xmlns="" w="9525">
+                <a14:hiddenLine xmlns="" xmlns:a14="http://schemas.microsoft.com/office/drawing/2010/main" w="9525">
                   <a:solidFill>
                     <a:srgbClr val="000000"/>
                   </a:solidFill>
@@ -2786,7 +2790,7 @@
             </a:ln>
             <a:extLst>
               <a:ext uri="{91240B29-F687-4f45-9708-019B960494DF}">
-                <a14:hiddenLine xmlns:a14="http://schemas.microsoft.com/office/drawing/2010/main" xmlns="" w="9525">
+                <a14:hiddenLine xmlns="" xmlns:a14="http://schemas.microsoft.com/office/drawing/2010/main" w="9525">
                   <a:solidFill>
                     <a:srgbClr val="000000"/>
                   </a:solidFill>
@@ -2876,7 +2880,7 @@
             </a:ln>
             <a:extLst>
               <a:ext uri="{91240B29-F687-4f45-9708-019B960494DF}">
-                <a14:hiddenLine xmlns:a14="http://schemas.microsoft.com/office/drawing/2010/main" xmlns="" w="9525">
+                <a14:hiddenLine xmlns="" xmlns:a14="http://schemas.microsoft.com/office/drawing/2010/main" w="9525">
                   <a:solidFill>
                     <a:srgbClr val="000000"/>
                   </a:solidFill>
@@ -2938,7 +2942,7 @@
             </a:ln>
             <a:extLst>
               <a:ext uri="{91240B29-F687-4f45-9708-019B960494DF}">
-                <a14:hiddenLine xmlns:a14="http://schemas.microsoft.com/office/drawing/2010/main" xmlns="" w="9525">
+                <a14:hiddenLine xmlns="" xmlns:a14="http://schemas.microsoft.com/office/drawing/2010/main" w="9525">
                   <a:solidFill>
                     <a:srgbClr val="000000"/>
                   </a:solidFill>
@@ -3028,7 +3032,7 @@
             </a:ln>
             <a:extLst>
               <a:ext uri="{91240B29-F687-4f45-9708-019B960494DF}">
-                <a14:hiddenLine xmlns:a14="http://schemas.microsoft.com/office/drawing/2010/main" xmlns="" w="9525">
+                <a14:hiddenLine xmlns="" xmlns:a14="http://schemas.microsoft.com/office/drawing/2010/main" w="9525">
                   <a:solidFill>
                     <a:srgbClr val="000000"/>
                   </a:solidFill>
@@ -3090,7 +3094,7 @@
             </a:ln>
             <a:extLst>
               <a:ext uri="{91240B29-F687-4f45-9708-019B960494DF}">
-                <a14:hiddenLine xmlns:a14="http://schemas.microsoft.com/office/drawing/2010/main" xmlns="" w="9525">
+                <a14:hiddenLine xmlns="" xmlns:a14="http://schemas.microsoft.com/office/drawing/2010/main" w="9525">
                   <a:solidFill>
                     <a:srgbClr val="000000"/>
                   </a:solidFill>
@@ -3180,7 +3184,7 @@
             </a:ln>
             <a:extLst>
               <a:ext uri="{91240B29-F687-4f45-9708-019B960494DF}">
-                <a14:hiddenLine xmlns:a14="http://schemas.microsoft.com/office/drawing/2010/main" xmlns="" w="9525">
+                <a14:hiddenLine xmlns="" xmlns:a14="http://schemas.microsoft.com/office/drawing/2010/main" w="9525">
                   <a:solidFill>
                     <a:srgbClr val="000000"/>
                   </a:solidFill>
@@ -3214,7 +3218,7 @@
             </a:ln>
             <a:extLst>
               <a:ext uri="{91240B29-F687-4f45-9708-019B960494DF}">
-                <a14:hiddenLine xmlns:a14="http://schemas.microsoft.com/office/drawing/2010/main" xmlns="" w="9525">
+                <a14:hiddenLine xmlns="" xmlns:a14="http://schemas.microsoft.com/office/drawing/2010/main" w="9525">
                   <a:solidFill>
                     <a:srgbClr val="000000"/>
                   </a:solidFill>
@@ -3279,7 +3283,7 @@
             </a:ln>
             <a:extLst>
               <a:ext uri="{91240B29-F687-4f45-9708-019B960494DF}">
-                <a14:hiddenLine xmlns:a14="http://schemas.microsoft.com/office/drawing/2010/main" xmlns="" w="9525">
+                <a14:hiddenLine xmlns="" xmlns:a14="http://schemas.microsoft.com/office/drawing/2010/main" w="9525">
                   <a:solidFill>
                     <a:srgbClr val="000000"/>
                   </a:solidFill>
@@ -3369,7 +3373,7 @@
             </a:ln>
             <a:extLst>
               <a:ext uri="{91240B29-F687-4f45-9708-019B960494DF}">
-                <a14:hiddenLine xmlns:a14="http://schemas.microsoft.com/office/drawing/2010/main" xmlns="" w="9525">
+                <a14:hiddenLine xmlns="" xmlns:a14="http://schemas.microsoft.com/office/drawing/2010/main" w="9525">
                   <a:solidFill>
                     <a:srgbClr val="000000"/>
                   </a:solidFill>
@@ -3431,7 +3435,7 @@
             </a:ln>
             <a:extLst>
               <a:ext uri="{91240B29-F687-4f45-9708-019B960494DF}">
-                <a14:hiddenLine xmlns:a14="http://schemas.microsoft.com/office/drawing/2010/main" xmlns="" w="9525">
+                <a14:hiddenLine xmlns="" xmlns:a14="http://schemas.microsoft.com/office/drawing/2010/main" w="9525">
                   <a:solidFill>
                     <a:srgbClr val="000000"/>
                   </a:solidFill>
@@ -3521,7 +3525,7 @@
             </a:ln>
             <a:extLst>
               <a:ext uri="{91240B29-F687-4f45-9708-019B960494DF}">
-                <a14:hiddenLine xmlns:a14="http://schemas.microsoft.com/office/drawing/2010/main" xmlns="" w="9525">
+                <a14:hiddenLine xmlns="" xmlns:a14="http://schemas.microsoft.com/office/drawing/2010/main" w="9525">
                   <a:solidFill>
                     <a:srgbClr val="000000"/>
                   </a:solidFill>
@@ -3611,7 +3615,7 @@
             </a:ln>
             <a:extLst>
               <a:ext uri="{91240B29-F687-4f45-9708-019B960494DF}">
-                <a14:hiddenLine xmlns:a14="http://schemas.microsoft.com/office/drawing/2010/main" xmlns="" w="9525">
+                <a14:hiddenLine xmlns="" xmlns:a14="http://schemas.microsoft.com/office/drawing/2010/main" w="9525">
                   <a:solidFill>
                     <a:srgbClr val="000000"/>
                   </a:solidFill>
@@ -3676,7 +3680,7 @@
             </a:ln>
             <a:extLst>
               <a:ext uri="{91240B29-F687-4f45-9708-019B960494DF}">
-                <a14:hiddenLine xmlns:a14="http://schemas.microsoft.com/office/drawing/2010/main" xmlns="" w="9525">
+                <a14:hiddenLine xmlns="" xmlns:a14="http://schemas.microsoft.com/office/drawing/2010/main" w="9525">
                   <a:solidFill>
                     <a:srgbClr val="000000"/>
                   </a:solidFill>
@@ -3738,7 +3742,7 @@
             </a:ln>
             <a:extLst>
               <a:ext uri="{91240B29-F687-4f45-9708-019B960494DF}">
-                <a14:hiddenLine xmlns:a14="http://schemas.microsoft.com/office/drawing/2010/main" xmlns="" w="9525">
+                <a14:hiddenLine xmlns="" xmlns:a14="http://schemas.microsoft.com/office/drawing/2010/main" w="9525">
                   <a:solidFill>
                     <a:srgbClr val="000000"/>
                   </a:solidFill>
@@ -3828,7 +3832,7 @@
             </a:ln>
             <a:extLst>
               <a:ext uri="{91240B29-F687-4f45-9708-019B960494DF}">
-                <a14:hiddenLine xmlns:a14="http://schemas.microsoft.com/office/drawing/2010/main" xmlns="" w="9525">
+                <a14:hiddenLine xmlns="" xmlns:a14="http://schemas.microsoft.com/office/drawing/2010/main" w="9525">
                   <a:solidFill>
                     <a:srgbClr val="000000"/>
                   </a:solidFill>
@@ -3918,7 +3922,7 @@
             </a:ln>
             <a:extLst>
               <a:ext uri="{91240B29-F687-4f45-9708-019B960494DF}">
-                <a14:hiddenLine xmlns:a14="http://schemas.microsoft.com/office/drawing/2010/main" xmlns="" w="9525">
+                <a14:hiddenLine xmlns="" xmlns:a14="http://schemas.microsoft.com/office/drawing/2010/main" w="9525">
                   <a:solidFill>
                     <a:srgbClr val="000000"/>
                   </a:solidFill>
@@ -3980,7 +3984,7 @@
             </a:ln>
             <a:extLst>
               <a:ext uri="{91240B29-F687-4f45-9708-019B960494DF}">
-                <a14:hiddenLine xmlns:a14="http://schemas.microsoft.com/office/drawing/2010/main" xmlns="" w="9525">
+                <a14:hiddenLine xmlns="" xmlns:a14="http://schemas.microsoft.com/office/drawing/2010/main" w="9525">
                   <a:solidFill>
                     <a:srgbClr val="000000"/>
                   </a:solidFill>
@@ -4100,7 +4104,7 @@
             </a:ln>
             <a:extLst>
               <a:ext uri="{91240B29-F687-4f45-9708-019B960494DF}">
-                <a14:hiddenLine xmlns:a14="http://schemas.microsoft.com/office/drawing/2010/main" xmlns="" w="9525">
+                <a14:hiddenLine xmlns="" xmlns:a14="http://schemas.microsoft.com/office/drawing/2010/main" w="9525">
                   <a:solidFill>
                     <a:srgbClr val="000000"/>
                   </a:solidFill>
@@ -4168,7 +4172,7 @@
             </a:ln>
             <a:extLst>
               <a:ext uri="{91240B29-F687-4f45-9708-019B960494DF}">
-                <a14:hiddenLine xmlns:a14="http://schemas.microsoft.com/office/drawing/2010/main" xmlns="" w="9525">
+                <a14:hiddenLine xmlns="" xmlns:a14="http://schemas.microsoft.com/office/drawing/2010/main" w="9525">
                   <a:solidFill>
                     <a:srgbClr val="000000"/>
                   </a:solidFill>
@@ -4258,7 +4262,7 @@
             </a:ln>
             <a:extLst>
               <a:ext uri="{91240B29-F687-4f45-9708-019B960494DF}">
-                <a14:hiddenLine xmlns:a14="http://schemas.microsoft.com/office/drawing/2010/main" xmlns="" w="9525">
+                <a14:hiddenLine xmlns="" xmlns:a14="http://schemas.microsoft.com/office/drawing/2010/main" w="9525">
                   <a:solidFill>
                     <a:srgbClr val="000000"/>
                   </a:solidFill>
@@ -10197,7 +10201,7 @@
           <a:noFill/>
           <a:extLst>
             <a:ext uri="{909E8E84-426E-40dd-AFC4-6F175D3DCCD1}">
-              <a14:hiddenFill xmlns:a14="http://schemas.microsoft.com/office/drawing/2010/main" xmlns="">
+              <a14:hiddenFill xmlns="" xmlns:a14="http://schemas.microsoft.com/office/drawing/2010/main">
                 <a:solidFill>
                   <a:srgbClr val="FFFFFF"/>
                 </a:solidFill>
@@ -10271,7 +10275,7 @@
               </a:ln>
               <a:extLst>
                 <a:ext uri="{91240B29-F687-4f45-9708-019B960494DF}">
-                  <a14:hiddenLine xmlns:a14="http://schemas.microsoft.com/office/drawing/2010/main" xmlns="" w="9525">
+                  <a14:hiddenLine xmlns="" xmlns:a14="http://schemas.microsoft.com/office/drawing/2010/main" w="9525">
                     <a:solidFill>
                       <a:srgbClr val="000000"/>
                     </a:solidFill>
@@ -10361,7 +10365,7 @@
               </a:ln>
               <a:extLst>
                 <a:ext uri="{91240B29-F687-4f45-9708-019B960494DF}">
-                  <a14:hiddenLine xmlns:a14="http://schemas.microsoft.com/office/drawing/2010/main" xmlns="" w="9525">
+                  <a14:hiddenLine xmlns="" xmlns:a14="http://schemas.microsoft.com/office/drawing/2010/main" w="9525">
                     <a:solidFill>
                       <a:srgbClr val="000000"/>
                     </a:solidFill>
@@ -10451,7 +10455,7 @@
               </a:ln>
               <a:extLst>
                 <a:ext uri="{91240B29-F687-4f45-9708-019B960494DF}">
-                  <a14:hiddenLine xmlns:a14="http://schemas.microsoft.com/office/drawing/2010/main" xmlns="" w="9525">
+                  <a14:hiddenLine xmlns="" xmlns:a14="http://schemas.microsoft.com/office/drawing/2010/main" w="9525">
                     <a:solidFill>
                       <a:srgbClr val="000000"/>
                     </a:solidFill>
@@ -10513,7 +10517,7 @@
               </a:ln>
               <a:extLst>
                 <a:ext uri="{91240B29-F687-4f45-9708-019B960494DF}">
-                  <a14:hiddenLine xmlns:a14="http://schemas.microsoft.com/office/drawing/2010/main" xmlns="" w="9525">
+                  <a14:hiddenLine xmlns="" xmlns:a14="http://schemas.microsoft.com/office/drawing/2010/main" w="9525">
                     <a:solidFill>
                       <a:srgbClr val="000000"/>
                     </a:solidFill>
@@ -10603,7 +10607,7 @@
               </a:ln>
               <a:extLst>
                 <a:ext uri="{91240B29-F687-4f45-9708-019B960494DF}">
-                  <a14:hiddenLine xmlns:a14="http://schemas.microsoft.com/office/drawing/2010/main" xmlns="" w="9525">
+                  <a14:hiddenLine xmlns="" xmlns:a14="http://schemas.microsoft.com/office/drawing/2010/main" w="9525">
                     <a:solidFill>
                       <a:srgbClr val="000000"/>
                     </a:solidFill>
@@ -10665,7 +10669,7 @@
               </a:ln>
               <a:extLst>
                 <a:ext uri="{91240B29-F687-4f45-9708-019B960494DF}">
-                  <a14:hiddenLine xmlns:a14="http://schemas.microsoft.com/office/drawing/2010/main" xmlns="" w="9525">
+                  <a14:hiddenLine xmlns="" xmlns:a14="http://schemas.microsoft.com/office/drawing/2010/main" w="9525">
                     <a:solidFill>
                       <a:srgbClr val="000000"/>
                     </a:solidFill>
@@ -10727,7 +10731,7 @@
               </a:ln>
               <a:extLst>
                 <a:ext uri="{91240B29-F687-4f45-9708-019B960494DF}">
-                  <a14:hiddenLine xmlns:a14="http://schemas.microsoft.com/office/drawing/2010/main" xmlns="" w="9525">
+                  <a14:hiddenLine xmlns="" xmlns:a14="http://schemas.microsoft.com/office/drawing/2010/main" w="9525">
                     <a:solidFill>
                       <a:srgbClr val="000000"/>
                     </a:solidFill>
@@ -10817,7 +10821,7 @@
               </a:ln>
               <a:extLst>
                 <a:ext uri="{91240B29-F687-4f45-9708-019B960494DF}">
-                  <a14:hiddenLine xmlns:a14="http://schemas.microsoft.com/office/drawing/2010/main" xmlns="" w="9525">
+                  <a14:hiddenLine xmlns="" xmlns:a14="http://schemas.microsoft.com/office/drawing/2010/main" w="9525">
                     <a:solidFill>
                       <a:srgbClr val="000000"/>
                     </a:solidFill>
@@ -10907,7 +10911,7 @@
               </a:ln>
               <a:extLst>
                 <a:ext uri="{91240B29-F687-4f45-9708-019B960494DF}">
-                  <a14:hiddenLine xmlns:a14="http://schemas.microsoft.com/office/drawing/2010/main" xmlns="" w="9525">
+                  <a14:hiddenLine xmlns="" xmlns:a14="http://schemas.microsoft.com/office/drawing/2010/main" w="9525">
                     <a:solidFill>
                       <a:srgbClr val="000000"/>
                     </a:solidFill>
@@ -10969,7 +10973,7 @@
               </a:ln>
               <a:extLst>
                 <a:ext uri="{91240B29-F687-4f45-9708-019B960494DF}">
-                  <a14:hiddenLine xmlns:a14="http://schemas.microsoft.com/office/drawing/2010/main" xmlns="" w="9525">
+                  <a14:hiddenLine xmlns="" xmlns:a14="http://schemas.microsoft.com/office/drawing/2010/main" w="9525">
                     <a:solidFill>
                       <a:srgbClr val="000000"/>
                     </a:solidFill>
@@ -11079,7 +11083,7 @@
               </a:ln>
               <a:extLst>
                 <a:ext uri="{91240B29-F687-4f45-9708-019B960494DF}">
-                  <a14:hiddenLine xmlns:a14="http://schemas.microsoft.com/office/drawing/2010/main" xmlns="" w="9525">
+                  <a14:hiddenLine xmlns="" xmlns:a14="http://schemas.microsoft.com/office/drawing/2010/main" w="9525">
                     <a:solidFill>
                       <a:srgbClr val="000000"/>
                     </a:solidFill>
@@ -11163,7 +11167,7 @@
               </a:ln>
               <a:extLst>
                 <a:ext uri="{91240B29-F687-4f45-9708-019B960494DF}">
-                  <a14:hiddenLine xmlns:a14="http://schemas.microsoft.com/office/drawing/2010/main" xmlns="" w="9525">
+                  <a14:hiddenLine xmlns="" xmlns:a14="http://schemas.microsoft.com/office/drawing/2010/main" w="9525">
                     <a:solidFill>
                       <a:srgbClr val="000000"/>
                     </a:solidFill>
@@ -11225,7 +11229,7 @@
               </a:ln>
               <a:extLst>
                 <a:ext uri="{91240B29-F687-4f45-9708-019B960494DF}">
-                  <a14:hiddenLine xmlns:a14="http://schemas.microsoft.com/office/drawing/2010/main" xmlns="" w="9525">
+                  <a14:hiddenLine xmlns="" xmlns:a14="http://schemas.microsoft.com/office/drawing/2010/main" w="9525">
                     <a:solidFill>
                       <a:srgbClr val="000000"/>
                     </a:solidFill>
@@ -11287,7 +11291,7 @@
               </a:ln>
               <a:extLst>
                 <a:ext uri="{91240B29-F687-4f45-9708-019B960494DF}">
-                  <a14:hiddenLine xmlns:a14="http://schemas.microsoft.com/office/drawing/2010/main" xmlns="" w="9525">
+                  <a14:hiddenLine xmlns="" xmlns:a14="http://schemas.microsoft.com/office/drawing/2010/main" w="9525">
                     <a:solidFill>
                       <a:srgbClr val="000000"/>
                     </a:solidFill>
@@ -11377,7 +11381,7 @@
               </a:ln>
               <a:extLst>
                 <a:ext uri="{91240B29-F687-4f45-9708-019B960494DF}">
-                  <a14:hiddenLine xmlns:a14="http://schemas.microsoft.com/office/drawing/2010/main" xmlns="" w="9525">
+                  <a14:hiddenLine xmlns="" xmlns:a14="http://schemas.microsoft.com/office/drawing/2010/main" w="9525">
                     <a:solidFill>
                       <a:srgbClr val="000000"/>
                     </a:solidFill>
@@ -11411,7 +11415,7 @@
               </a:ln>
               <a:extLst>
                 <a:ext uri="{91240B29-F687-4f45-9708-019B960494DF}">
-                  <a14:hiddenLine xmlns:a14="http://schemas.microsoft.com/office/drawing/2010/main" xmlns="" w="9525">
+                  <a14:hiddenLine xmlns="" xmlns:a14="http://schemas.microsoft.com/office/drawing/2010/main" w="9525">
                     <a:solidFill>
                       <a:srgbClr val="000000"/>
                     </a:solidFill>
@@ -11476,7 +11480,7 @@
               </a:ln>
               <a:extLst>
                 <a:ext uri="{91240B29-F687-4f45-9708-019B960494DF}">
-                  <a14:hiddenLine xmlns:a14="http://schemas.microsoft.com/office/drawing/2010/main" xmlns="" w="9525">
+                  <a14:hiddenLine xmlns="" xmlns:a14="http://schemas.microsoft.com/office/drawing/2010/main" w="9525">
                     <a:solidFill>
                       <a:srgbClr val="000000"/>
                     </a:solidFill>
@@ -11566,7 +11570,7 @@
               </a:ln>
               <a:extLst>
                 <a:ext uri="{91240B29-F687-4f45-9708-019B960494DF}">
-                  <a14:hiddenLine xmlns:a14="http://schemas.microsoft.com/office/drawing/2010/main" xmlns="" w="9525">
+                  <a14:hiddenLine xmlns="" xmlns:a14="http://schemas.microsoft.com/office/drawing/2010/main" w="9525">
                     <a:solidFill>
                       <a:srgbClr val="000000"/>
                     </a:solidFill>
@@ -11628,7 +11632,7 @@
               </a:ln>
               <a:extLst>
                 <a:ext uri="{91240B29-F687-4f45-9708-019B960494DF}">
-                  <a14:hiddenLine xmlns:a14="http://schemas.microsoft.com/office/drawing/2010/main" xmlns="" w="9525">
+                  <a14:hiddenLine xmlns="" xmlns:a14="http://schemas.microsoft.com/office/drawing/2010/main" w="9525">
                     <a:solidFill>
                       <a:srgbClr val="000000"/>
                     </a:solidFill>
@@ -11718,7 +11722,7 @@
               </a:ln>
               <a:extLst>
                 <a:ext uri="{91240B29-F687-4f45-9708-019B960494DF}">
-                  <a14:hiddenLine xmlns:a14="http://schemas.microsoft.com/office/drawing/2010/main" xmlns="" w="9525">
+                  <a14:hiddenLine xmlns="" xmlns:a14="http://schemas.microsoft.com/office/drawing/2010/main" w="9525">
                     <a:solidFill>
                       <a:srgbClr val="000000"/>
                     </a:solidFill>
@@ -11783,7 +11787,7 @@
               </a:ln>
               <a:extLst>
                 <a:ext uri="{91240B29-F687-4f45-9708-019B960494DF}">
-                  <a14:hiddenLine xmlns:a14="http://schemas.microsoft.com/office/drawing/2010/main" xmlns="" w="9525">
+                  <a14:hiddenLine xmlns="" xmlns:a14="http://schemas.microsoft.com/office/drawing/2010/main" w="9525">
                     <a:solidFill>
                       <a:srgbClr val="000000"/>
                     </a:solidFill>
@@ -11845,7 +11849,7 @@
               </a:ln>
               <a:extLst>
                 <a:ext uri="{91240B29-F687-4f45-9708-019B960494DF}">
-                  <a14:hiddenLine xmlns:a14="http://schemas.microsoft.com/office/drawing/2010/main" xmlns="" w="9525">
+                  <a14:hiddenLine xmlns="" xmlns:a14="http://schemas.microsoft.com/office/drawing/2010/main" w="9525">
                     <a:solidFill>
                       <a:srgbClr val="000000"/>
                     </a:solidFill>
@@ -11935,7 +11939,7 @@
               </a:ln>
               <a:extLst>
                 <a:ext uri="{91240B29-F687-4f45-9708-019B960494DF}">
-                  <a14:hiddenLine xmlns:a14="http://schemas.microsoft.com/office/drawing/2010/main" xmlns="" w="9525">
+                  <a14:hiddenLine xmlns="" xmlns:a14="http://schemas.microsoft.com/office/drawing/2010/main" w="9525">
                     <a:solidFill>
                       <a:srgbClr val="000000"/>
                     </a:solidFill>
@@ -12025,7 +12029,7 @@
               </a:ln>
               <a:extLst>
                 <a:ext uri="{91240B29-F687-4f45-9708-019B960494DF}">
-                  <a14:hiddenLine xmlns:a14="http://schemas.microsoft.com/office/drawing/2010/main" xmlns="" w="9525">
+                  <a14:hiddenLine xmlns="" xmlns:a14="http://schemas.microsoft.com/office/drawing/2010/main" w="9525">
                     <a:solidFill>
                       <a:srgbClr val="000000"/>
                     </a:solidFill>
@@ -12090,7 +12094,7 @@
               </a:ln>
               <a:extLst>
                 <a:ext uri="{91240B29-F687-4f45-9708-019B960494DF}">
-                  <a14:hiddenLine xmlns:a14="http://schemas.microsoft.com/office/drawing/2010/main" xmlns="" w="9525">
+                  <a14:hiddenLine xmlns="" xmlns:a14="http://schemas.microsoft.com/office/drawing/2010/main" w="9525">
                     <a:solidFill>
                       <a:srgbClr val="000000"/>
                     </a:solidFill>
@@ -12210,7 +12214,7 @@
               </a:ln>
               <a:extLst>
                 <a:ext uri="{91240B29-F687-4f45-9708-019B960494DF}">
-                  <a14:hiddenLine xmlns:a14="http://schemas.microsoft.com/office/drawing/2010/main" xmlns="" w="9525">
+                  <a14:hiddenLine xmlns="" xmlns:a14="http://schemas.microsoft.com/office/drawing/2010/main" w="9525">
                     <a:solidFill>
                       <a:srgbClr val="000000"/>
                     </a:solidFill>
@@ -12308,7 +12312,7 @@
               </a:ln>
               <a:extLst>
                 <a:ext uri="{91240B29-F687-4f45-9708-019B960494DF}">
-                  <a14:hiddenLine xmlns:a14="http://schemas.microsoft.com/office/drawing/2010/main" xmlns="" w="9525">
+                  <a14:hiddenLine xmlns="" xmlns:a14="http://schemas.microsoft.com/office/drawing/2010/main" w="9525">
                     <a:solidFill>
                       <a:srgbClr val="000000"/>
                     </a:solidFill>
@@ -12423,7 +12427,7 @@
               </a:ln>
               <a:extLst>
                 <a:ext uri="{91240B29-F687-4f45-9708-019B960494DF}">
-                  <a14:hiddenLine xmlns:a14="http://schemas.microsoft.com/office/drawing/2010/main" xmlns="" w="9525">
+                  <a14:hiddenLine xmlns="" xmlns:a14="http://schemas.microsoft.com/office/drawing/2010/main" w="9525">
                     <a:solidFill>
                       <a:srgbClr val="000000"/>
                     </a:solidFill>
@@ -12513,7 +12517,7 @@
               </a:ln>
               <a:extLst>
                 <a:ext uri="{91240B29-F687-4f45-9708-019B960494DF}">
-                  <a14:hiddenLine xmlns:a14="http://schemas.microsoft.com/office/drawing/2010/main" xmlns="" w="9525">
+                  <a14:hiddenLine xmlns="" xmlns:a14="http://schemas.microsoft.com/office/drawing/2010/main" w="9525">
                     <a:solidFill>
                       <a:srgbClr val="000000"/>
                     </a:solidFill>
@@ -12578,7 +12582,7 @@
               </a:ln>
               <a:extLst>
                 <a:ext uri="{91240B29-F687-4f45-9708-019B960494DF}">
-                  <a14:hiddenLine xmlns:a14="http://schemas.microsoft.com/office/drawing/2010/main" xmlns="" w="9525">
+                  <a14:hiddenLine xmlns="" xmlns:a14="http://schemas.microsoft.com/office/drawing/2010/main" w="9525">
                     <a:solidFill>
                       <a:srgbClr val="000000"/>
                     </a:solidFill>
@@ -12668,7 +12672,7 @@
               </a:ln>
               <a:extLst>
                 <a:ext uri="{91240B29-F687-4f45-9708-019B960494DF}">
-                  <a14:hiddenLine xmlns:a14="http://schemas.microsoft.com/office/drawing/2010/main" xmlns="" w="9525">
+                  <a14:hiddenLine xmlns="" xmlns:a14="http://schemas.microsoft.com/office/drawing/2010/main" w="9525">
                     <a:solidFill>
                       <a:srgbClr val="000000"/>
                     </a:solidFill>
@@ -12736,7 +12740,7 @@
               </a:ln>
               <a:extLst>
                 <a:ext uri="{91240B29-F687-4f45-9708-019B960494DF}">
-                  <a14:hiddenLine xmlns:a14="http://schemas.microsoft.com/office/drawing/2010/main" xmlns="" w="9525">
+                  <a14:hiddenLine xmlns="" xmlns:a14="http://schemas.microsoft.com/office/drawing/2010/main" w="9525">
                     <a:solidFill>
                       <a:srgbClr val="000000"/>
                     </a:solidFill>
@@ -12826,7 +12830,7 @@
               </a:ln>
               <a:extLst>
                 <a:ext uri="{91240B29-F687-4f45-9708-019B960494DF}">
-                  <a14:hiddenLine xmlns:a14="http://schemas.microsoft.com/office/drawing/2010/main" xmlns="" w="9525">
+                  <a14:hiddenLine xmlns="" xmlns:a14="http://schemas.microsoft.com/office/drawing/2010/main" w="9525">
                     <a:solidFill>
                       <a:srgbClr val="000000"/>
                     </a:solidFill>
@@ -12894,7 +12898,7 @@
               </a:ln>
               <a:extLst>
                 <a:ext uri="{91240B29-F687-4f45-9708-019B960494DF}">
-                  <a14:hiddenLine xmlns:a14="http://schemas.microsoft.com/office/drawing/2010/main" xmlns="" w="9525">
+                  <a14:hiddenLine xmlns="" xmlns:a14="http://schemas.microsoft.com/office/drawing/2010/main" w="9525">
                     <a:solidFill>
                       <a:srgbClr val="000000"/>
                     </a:solidFill>
@@ -12984,7 +12988,7 @@
               </a:ln>
               <a:extLst>
                 <a:ext uri="{91240B29-F687-4f45-9708-019B960494DF}">
-                  <a14:hiddenLine xmlns:a14="http://schemas.microsoft.com/office/drawing/2010/main" xmlns="" w="9525">
+                  <a14:hiddenLine xmlns="" xmlns:a14="http://schemas.microsoft.com/office/drawing/2010/main" w="9525">
                     <a:solidFill>
                       <a:srgbClr val="000000"/>
                     </a:solidFill>
@@ -13018,7 +13022,7 @@
               </a:ln>
               <a:extLst>
                 <a:ext uri="{91240B29-F687-4f45-9708-019B960494DF}">
-                  <a14:hiddenLine xmlns:a14="http://schemas.microsoft.com/office/drawing/2010/main" xmlns="" w="9525">
+                  <a14:hiddenLine xmlns="" xmlns:a14="http://schemas.microsoft.com/office/drawing/2010/main" w="9525">
                     <a:solidFill>
                       <a:srgbClr val="000000"/>
                     </a:solidFill>
@@ -14008,8 +14012,8 @@
         </p:nvSpPr>
         <p:spPr>
           <a:xfrm>
-            <a:off x="318052" y="2562713"/>
-            <a:ext cx="11661914" cy="4032000"/>
+            <a:off x="1454069" y="2557670"/>
+            <a:ext cx="9303026" cy="3887170"/>
           </a:xfrm>
           <a:prstGeom prst="rect">
             <a:avLst/>
@@ -14084,7 +14088,7 @@
         </p:nvSpPr>
         <p:spPr>
           <a:xfrm>
-            <a:off x="2922828" y="1444071"/>
+            <a:off x="4115524" y="1404315"/>
             <a:ext cx="1892880" cy="772200"/>
           </a:xfrm>
           <a:prstGeom prst="rect">
@@ -14147,7 +14151,7 @@
         </p:nvSpPr>
         <p:spPr>
           <a:xfrm>
-            <a:off x="5061846" y="1444071"/>
+            <a:off x="6254542" y="1404315"/>
             <a:ext cx="1892880" cy="772200"/>
           </a:xfrm>
           <a:prstGeom prst="rect">
@@ -14214,7 +14218,7 @@
         </p:nvSpPr>
         <p:spPr>
           <a:xfrm>
-            <a:off x="9334482" y="1469647"/>
+            <a:off x="8389844" y="1397490"/>
             <a:ext cx="1892880" cy="772200"/>
           </a:xfrm>
           <a:prstGeom prst="rect">
@@ -14281,7 +14285,7 @@
         </p:nvSpPr>
         <p:spPr>
           <a:xfrm>
-            <a:off x="2925528" y="2990202"/>
+            <a:off x="4118224" y="2950446"/>
             <a:ext cx="1892880" cy="772200"/>
           </a:xfrm>
           <a:prstGeom prst="rect">
@@ -14348,7 +14352,7 @@
         </p:nvSpPr>
         <p:spPr>
           <a:xfrm>
-            <a:off x="5061338" y="2990202"/>
+            <a:off x="6254034" y="2950446"/>
             <a:ext cx="1892880" cy="772200"/>
           </a:xfrm>
           <a:prstGeom prst="rect">
@@ -14415,7 +14419,7 @@
         </p:nvSpPr>
         <p:spPr>
           <a:xfrm>
-            <a:off x="5061338" y="3762402"/>
+            <a:off x="6254034" y="3722646"/>
             <a:ext cx="1892880" cy="772200"/>
           </a:xfrm>
           <a:prstGeom prst="rect">
@@ -14496,7 +14500,7 @@
         </p:nvSpPr>
         <p:spPr>
           <a:xfrm>
-            <a:off x="5061338" y="4534602"/>
+            <a:off x="6254034" y="4494846"/>
             <a:ext cx="1892880" cy="1527826"/>
           </a:xfrm>
           <a:prstGeom prst="rect">
@@ -14563,7 +14567,7 @@
         </p:nvSpPr>
         <p:spPr>
           <a:xfrm>
-            <a:off x="9334482" y="2990202"/>
+            <a:off x="8389844" y="2918045"/>
             <a:ext cx="1892880" cy="772200"/>
           </a:xfrm>
           <a:prstGeom prst="rect">
@@ -14630,7 +14634,7 @@
         </p:nvSpPr>
         <p:spPr>
           <a:xfrm>
-            <a:off x="9334482" y="3762402"/>
+            <a:off x="8389844" y="3690245"/>
             <a:ext cx="1892880" cy="772200"/>
           </a:xfrm>
           <a:prstGeom prst="rect">
@@ -14788,7 +14792,7 @@
         </p:nvSpPr>
         <p:spPr>
           <a:xfrm>
-            <a:off x="789210" y="1444071"/>
+            <a:off x="1981906" y="1404315"/>
             <a:ext cx="1892880" cy="772200"/>
           </a:xfrm>
           <a:prstGeom prst="rect">
@@ -14848,8 +14852,8 @@
         </p:nvSpPr>
         <p:spPr>
           <a:xfrm>
-            <a:off x="789211" y="2957802"/>
-            <a:ext cx="1891864" cy="772200"/>
+            <a:off x="1981906" y="2918046"/>
+            <a:ext cx="1900979" cy="772200"/>
           </a:xfrm>
           <a:prstGeom prst="rect">
             <a:avLst/>
@@ -14921,7 +14925,7 @@
         </p:nvSpPr>
         <p:spPr>
           <a:xfrm>
-            <a:off x="794610" y="3730002"/>
+            <a:off x="1987306" y="3690246"/>
             <a:ext cx="1892880" cy="772200"/>
           </a:xfrm>
           <a:prstGeom prst="rect">
@@ -14994,7 +14998,7 @@
         </p:nvSpPr>
         <p:spPr>
           <a:xfrm>
-            <a:off x="794610" y="4502202"/>
+            <a:off x="1987306" y="4462446"/>
             <a:ext cx="795900" cy="772200"/>
           </a:xfrm>
           <a:prstGeom prst="rect">
@@ -15067,7 +15071,7 @@
         </p:nvSpPr>
         <p:spPr>
           <a:xfrm>
-            <a:off x="1590510" y="4502202"/>
+            <a:off x="2783206" y="4462446"/>
             <a:ext cx="1094280" cy="792000"/>
           </a:xfrm>
           <a:prstGeom prst="rect">
@@ -15136,7 +15140,7 @@
         </p:nvSpPr>
         <p:spPr>
           <a:xfrm>
-            <a:off x="795840" y="5274402"/>
+            <a:off x="1988536" y="5234646"/>
             <a:ext cx="1886250" cy="772200"/>
           </a:xfrm>
           <a:prstGeom prst="rect">
@@ -15205,7 +15209,7 @@
         </p:nvSpPr>
         <p:spPr>
           <a:xfrm>
-            <a:off x="2922828" y="3768018"/>
+            <a:off x="4115524" y="3728262"/>
             <a:ext cx="1892880" cy="2278584"/>
           </a:xfrm>
           <a:prstGeom prst="rect">
@@ -15266,68 +15270,6 @@
       </p:sp>
       <p:sp>
         <p:nvSpPr>
-          <p:cNvPr id="30" name="CustomShape 4">
-            <a:extLst>
-              <a:ext uri="{FF2B5EF4-FFF2-40B4-BE49-F238E27FC236}">
-                <a16:creationId xmlns:a16="http://schemas.microsoft.com/office/drawing/2014/main" id="{2CCFD69C-0D12-469D-B504-5BC4F362ED7B}"/>
-              </a:ext>
-            </a:extLst>
-          </p:cNvPr>
-          <p:cNvSpPr/>
-          <p:nvPr/>
-        </p:nvSpPr>
-        <p:spPr>
-          <a:xfrm>
-            <a:off x="7195972" y="5339202"/>
-            <a:ext cx="1892880" cy="739800"/>
-          </a:xfrm>
-          <a:prstGeom prst="rect">
-            <a:avLst/>
-          </a:prstGeom>
-          <a:ln/>
-        </p:spPr>
-        <p:style>
-          <a:lnRef idx="2">
-            <a:schemeClr val="accent1">
-              <a:shade val="50000"/>
-            </a:schemeClr>
-          </a:lnRef>
-          <a:fillRef idx="1">
-            <a:schemeClr val="accent1"/>
-          </a:fillRef>
-          <a:effectRef idx="0">
-            <a:schemeClr val="accent1"/>
-          </a:effectRef>
-          <a:fontRef idx="minor"/>
-        </p:style>
-        <p:txBody>
-          <a:bodyPr lIns="90000" tIns="45000" rIns="90000" bIns="45000" anchor="ctr"/>
-          <a:lstStyle/>
-          <a:p>
-            <a:pPr algn="ctr">
-              <a:lnSpc>
-                <a:spcPct val="100000"/>
-              </a:lnSpc>
-            </a:pPr>
-            <a:r>
-              <a:rPr lang="pt-BR" spc="-1" dirty="0">
-                <a:solidFill>
-                  <a:srgbClr val="FFFFFF"/>
-                </a:solidFill>
-                <a:uFill>
-                  <a:solidFill>
-                    <a:srgbClr val="FFFFFF"/>
-                  </a:solidFill>
-                </a:uFill>
-                <a:latin typeface="Calibri"/>
-              </a:rPr>
-              <a:t>Gerenciador</a:t>
-            </a:r>
-          </a:p>
-        </p:txBody>
-      </p:sp>
-      <p:sp>
-        <p:nvSpPr>
           <p:cNvPr id="31" name="CustomShape 4">
             <a:extLst>
               <a:ext uri="{FF2B5EF4-FFF2-40B4-BE49-F238E27FC236}">
@@ -15340,7 +15282,7 @@
         </p:nvSpPr>
         <p:spPr>
           <a:xfrm>
-            <a:off x="9334482" y="4534603"/>
+            <a:off x="8389844" y="4462446"/>
             <a:ext cx="1892880" cy="1544400"/>
           </a:xfrm>
           <a:prstGeom prst="rect">
@@ -15562,13 +15504,13 @@
       </p:sp>
       <p:sp>
         <p:nvSpPr>
-          <p:cNvPr id="60" name="CustomShape 3"/>
+          <p:cNvPr id="61" name="CustomShape 4"/>
           <p:cNvSpPr/>
           <p:nvPr/>
         </p:nvSpPr>
         <p:spPr>
           <a:xfrm>
-            <a:off x="5168698" y="2278353"/>
+            <a:off x="9068970" y="2274413"/>
             <a:ext cx="1892880" cy="772200"/>
           </a:xfrm>
           <a:prstGeom prst="rect">
@@ -15600,7 +15542,7 @@
               </a:lnSpc>
             </a:pPr>
             <a:r>
-              <a:rPr lang="pt-BR" sz="1800" b="0" strike="noStrike" spc="-1" dirty="0">
+              <a:rPr lang="pt-BR" spc="-1" dirty="0">
                 <a:solidFill>
                   <a:srgbClr val="FFFFFF"/>
                 </a:solidFill>
@@ -15611,7 +15553,7 @@
                 </a:uFill>
                 <a:latin typeface="Calibri"/>
               </a:rPr>
-              <a:t>Gerenciador de Configuração</a:t>
+              <a:t>OLED</a:t>
             </a:r>
             <a:endParaRPr lang="pt-BR" sz="1800" b="0" strike="noStrike" spc="-1" dirty="0">
               <a:solidFill>
@@ -15629,13 +15571,13 @@
       </p:sp>
       <p:sp>
         <p:nvSpPr>
-          <p:cNvPr id="61" name="CustomShape 4"/>
+          <p:cNvPr id="75" name="CustomShape 18"/>
           <p:cNvSpPr/>
           <p:nvPr/>
         </p:nvSpPr>
         <p:spPr>
           <a:xfrm>
-            <a:off x="9808366" y="2278353"/>
+            <a:off x="6749136" y="4561354"/>
             <a:ext cx="1892880" cy="772200"/>
           </a:xfrm>
           <a:prstGeom prst="rect">
@@ -15667,7 +15609,7 @@
               </a:lnSpc>
             </a:pPr>
             <a:r>
-              <a:rPr lang="pt-BR" spc="-1" dirty="0">
+              <a:rPr lang="pt-BR" sz="1800" b="0" strike="noStrike" spc="-1" dirty="0">
                 <a:solidFill>
                   <a:srgbClr val="FFFFFF"/>
                 </a:solidFill>
@@ -15678,7 +15620,21 @@
                 </a:uFill>
                 <a:latin typeface="Calibri"/>
               </a:rPr>
-              <a:t>OLED</a:t>
+              <a:t>Driver </a:t>
+            </a:r>
+            <a:r>
+              <a:rPr lang="pt-BR" spc="-1" dirty="0">
+                <a:solidFill>
+                  <a:srgbClr val="FFFFFF"/>
+                </a:solidFill>
+                <a:uFill>
+                  <a:solidFill>
+                    <a:srgbClr val="FFFFFF"/>
+                  </a:solidFill>
+                </a:uFill>
+                <a:latin typeface="Calibri"/>
+              </a:rPr>
+              <a:t>Sensor de Luminosidade</a:t>
             </a:r>
             <a:endParaRPr lang="pt-BR" sz="1800" b="0" strike="noStrike" spc="-1" dirty="0">
               <a:solidFill>
@@ -15696,13 +15652,13 @@
       </p:sp>
       <p:sp>
         <p:nvSpPr>
-          <p:cNvPr id="75" name="CustomShape 18"/>
+          <p:cNvPr id="79" name="CustomShape 22"/>
           <p:cNvSpPr/>
           <p:nvPr/>
         </p:nvSpPr>
         <p:spPr>
           <a:xfrm>
-            <a:off x="7488532" y="4565294"/>
+            <a:off x="9068970" y="4561354"/>
             <a:ext cx="1892880" cy="772200"/>
           </a:xfrm>
           <a:prstGeom prst="rect">
@@ -15745,21 +15701,7 @@
                 </a:uFill>
                 <a:latin typeface="Calibri"/>
               </a:rPr>
-              <a:t>Driver </a:t>
-            </a:r>
-            <a:r>
-              <a:rPr lang="pt-BR" spc="-1" dirty="0">
-                <a:solidFill>
-                  <a:srgbClr val="FFFFFF"/>
-                </a:solidFill>
-                <a:uFill>
-                  <a:solidFill>
-                    <a:srgbClr val="FFFFFF"/>
-                  </a:solidFill>
-                </a:uFill>
-                <a:latin typeface="Calibri"/>
-              </a:rPr>
-              <a:t>Sensor de Luminosidade</a:t>
+              <a:t>Driver OLED</a:t>
             </a:r>
             <a:endParaRPr lang="pt-BR" sz="1800" b="0" strike="noStrike" spc="-1" dirty="0">
               <a:solidFill>
@@ -15777,13 +15719,13 @@
       </p:sp>
       <p:sp>
         <p:nvSpPr>
-          <p:cNvPr id="79" name="CustomShape 22"/>
+          <p:cNvPr id="80" name="CustomShape 23"/>
           <p:cNvSpPr/>
           <p:nvPr/>
         </p:nvSpPr>
         <p:spPr>
           <a:xfrm>
-            <a:off x="9808366" y="4565294"/>
+            <a:off x="9068970" y="5651055"/>
             <a:ext cx="1892880" cy="772200"/>
           </a:xfrm>
           <a:prstGeom prst="rect">
@@ -15826,7 +15768,7 @@
                 </a:uFill>
                 <a:latin typeface="Calibri"/>
               </a:rPr>
-              <a:t>Driver OLED</a:t>
+              <a:t>SPI/I2C</a:t>
             </a:r>
             <a:endParaRPr lang="pt-BR" sz="1800" b="0" strike="noStrike" spc="-1" dirty="0">
               <a:solidFill>
@@ -15844,13 +15786,19 @@
       </p:sp>
       <p:sp>
         <p:nvSpPr>
-          <p:cNvPr id="80" name="CustomShape 23"/>
+          <p:cNvPr id="27" name="CustomShape 3">
+            <a:extLst>
+              <a:ext uri="{FF2B5EF4-FFF2-40B4-BE49-F238E27FC236}">
+                <a16:creationId xmlns:a16="http://schemas.microsoft.com/office/drawing/2014/main" id="{595F061D-8D61-420A-A35E-637980A411AC}"/>
+              </a:ext>
+            </a:extLst>
+          </p:cNvPr>
           <p:cNvSpPr/>
           <p:nvPr/>
         </p:nvSpPr>
         <p:spPr>
           <a:xfrm>
-            <a:off x="9808366" y="5654995"/>
+            <a:off x="6749136" y="2274413"/>
             <a:ext cx="1892880" cy="772200"/>
           </a:xfrm>
           <a:prstGeom prst="rect">
@@ -15893,7 +15841,7 @@
                 </a:uFill>
                 <a:latin typeface="Calibri"/>
               </a:rPr>
-              <a:t>SPI/I2C</a:t>
+              <a:t>Sensor</a:t>
             </a:r>
             <a:endParaRPr lang="pt-BR" sz="1800" b="0" strike="noStrike" spc="-1" dirty="0">
               <a:solidFill>
@@ -15911,10 +15859,10 @@
       </p:sp>
       <p:sp>
         <p:nvSpPr>
-          <p:cNvPr id="27" name="CustomShape 3">
+          <p:cNvPr id="85" name="CustomShape 23">
             <a:extLst>
               <a:ext uri="{FF2B5EF4-FFF2-40B4-BE49-F238E27FC236}">
-                <a16:creationId xmlns:a16="http://schemas.microsoft.com/office/drawing/2014/main" id="{595F061D-8D61-420A-A35E-637980A411AC}"/>
+                <a16:creationId xmlns:a16="http://schemas.microsoft.com/office/drawing/2014/main" id="{543285FC-E80C-4B52-B480-775E896C4189}"/>
               </a:ext>
             </a:extLst>
           </p:cNvPr>
@@ -15923,7 +15871,7 @@
         </p:nvSpPr>
         <p:spPr>
           <a:xfrm>
-            <a:off x="7488532" y="2278353"/>
+            <a:off x="3643989" y="2274413"/>
             <a:ext cx="1892880" cy="772200"/>
           </a:xfrm>
           <a:prstGeom prst="rect">
@@ -15955,7 +15903,7 @@
               </a:lnSpc>
             </a:pPr>
             <a:r>
-              <a:rPr lang="pt-BR" sz="1800" b="0" strike="noStrike" spc="-1" dirty="0">
+              <a:rPr lang="pt-BR" spc="-1" dirty="0">
                 <a:solidFill>
                   <a:srgbClr val="FFFFFF"/>
                 </a:solidFill>
@@ -15966,7 +15914,7 @@
                 </a:uFill>
                 <a:latin typeface="Calibri"/>
               </a:rPr>
-              <a:t>Sensor</a:t>
+              <a:t>Botão</a:t>
             </a:r>
             <a:endParaRPr lang="pt-BR" sz="1800" b="0" strike="noStrike" spc="-1" dirty="0">
               <a:solidFill>
@@ -15984,10 +15932,10 @@
       </p:sp>
       <p:sp>
         <p:nvSpPr>
-          <p:cNvPr id="85" name="CustomShape 23">
+          <p:cNvPr id="86" name="CustomShape 23">
             <a:extLst>
               <a:ext uri="{FF2B5EF4-FFF2-40B4-BE49-F238E27FC236}">
-                <a16:creationId xmlns:a16="http://schemas.microsoft.com/office/drawing/2014/main" id="{543285FC-E80C-4B52-B480-775E896C4189}"/>
+                <a16:creationId xmlns:a16="http://schemas.microsoft.com/office/drawing/2014/main" id="{7F039BF6-C5F8-4D34-A363-BC7B1D278DED}"/>
               </a:ext>
             </a:extLst>
           </p:cNvPr>
@@ -15996,7 +15944,7 @@
         </p:nvSpPr>
         <p:spPr>
           <a:xfrm>
-            <a:off x="2848864" y="2278353"/>
+            <a:off x="1311905" y="2278353"/>
             <a:ext cx="1892880" cy="772200"/>
           </a:xfrm>
           <a:prstGeom prst="rect">
@@ -16039,7 +15987,7 @@
                 </a:uFill>
                 <a:latin typeface="Calibri"/>
               </a:rPr>
-              <a:t>Botão</a:t>
+              <a:t>HTTP Server</a:t>
             </a:r>
             <a:endParaRPr lang="pt-BR" sz="1800" b="0" strike="noStrike" spc="-1" dirty="0">
               <a:solidFill>
@@ -16057,10 +16005,10 @@
       </p:sp>
       <p:sp>
         <p:nvSpPr>
-          <p:cNvPr id="86" name="CustomShape 23">
+          <p:cNvPr id="88" name="CustomShape 23">
             <a:extLst>
               <a:ext uri="{FF2B5EF4-FFF2-40B4-BE49-F238E27FC236}">
-                <a16:creationId xmlns:a16="http://schemas.microsoft.com/office/drawing/2014/main" id="{7F039BF6-C5F8-4D34-A363-BC7B1D278DED}"/>
+                <a16:creationId xmlns:a16="http://schemas.microsoft.com/office/drawing/2014/main" id="{E6E0BDC0-A8FC-48D9-B109-4EA602473AA0}"/>
               </a:ext>
             </a:extLst>
           </p:cNvPr>
@@ -16069,7 +16017,80 @@
         </p:nvSpPr>
         <p:spPr>
           <a:xfrm>
-            <a:off x="516780" y="2282293"/>
+            <a:off x="1114957" y="3402587"/>
+            <a:ext cx="960328" cy="772200"/>
+          </a:xfrm>
+          <a:prstGeom prst="rect">
+            <a:avLst/>
+          </a:prstGeom>
+          <a:ln/>
+        </p:spPr>
+        <p:style>
+          <a:lnRef idx="2">
+            <a:schemeClr val="accent1">
+              <a:shade val="50000"/>
+            </a:schemeClr>
+          </a:lnRef>
+          <a:fillRef idx="1">
+            <a:schemeClr val="accent1"/>
+          </a:fillRef>
+          <a:effectRef idx="0">
+            <a:schemeClr val="accent1"/>
+          </a:effectRef>
+          <a:fontRef idx="minor"/>
+        </p:style>
+        <p:txBody>
+          <a:bodyPr lIns="90000" tIns="45000" rIns="90000" bIns="45000" anchor="ctr"/>
+          <a:lstStyle/>
+          <a:p>
+            <a:pPr algn="ctr">
+              <a:lnSpc>
+                <a:spcPct val="100000"/>
+              </a:lnSpc>
+            </a:pPr>
+            <a:r>
+              <a:rPr lang="pt-BR" spc="-1" dirty="0">
+                <a:solidFill>
+                  <a:srgbClr val="FFFFFF"/>
+                </a:solidFill>
+                <a:uFill>
+                  <a:solidFill>
+                    <a:srgbClr val="FFFFFF"/>
+                  </a:solidFill>
+                </a:uFill>
+                <a:latin typeface="Calibri"/>
+              </a:rPr>
+              <a:t>TCP/IP</a:t>
+            </a:r>
+            <a:endParaRPr lang="pt-BR" sz="1800" b="0" strike="noStrike" spc="-1" dirty="0">
+              <a:solidFill>
+                <a:srgbClr val="000000"/>
+              </a:solidFill>
+              <a:uFill>
+                <a:solidFill>
+                  <a:srgbClr val="FFFFFF"/>
+                </a:solidFill>
+              </a:uFill>
+              <a:latin typeface="Arial"/>
+            </a:endParaRPr>
+          </a:p>
+        </p:txBody>
+      </p:sp>
+      <p:sp>
+        <p:nvSpPr>
+          <p:cNvPr id="89" name="CustomShape 23">
+            <a:extLst>
+              <a:ext uri="{FF2B5EF4-FFF2-40B4-BE49-F238E27FC236}">
+                <a16:creationId xmlns:a16="http://schemas.microsoft.com/office/drawing/2014/main" id="{4DFAB116-DA3D-49A0-8436-6DD8F520F0A4}"/>
+              </a:ext>
+            </a:extLst>
+          </p:cNvPr>
+          <p:cNvSpPr/>
+          <p:nvPr/>
+        </p:nvSpPr>
+        <p:spPr>
+          <a:xfrm>
+            <a:off x="1324155" y="4526821"/>
             <a:ext cx="1892880" cy="772200"/>
           </a:xfrm>
           <a:prstGeom prst="rect">
@@ -16101,7 +16122,7 @@
               </a:lnSpc>
             </a:pPr>
             <a:r>
-              <a:rPr lang="pt-BR" spc="-1" dirty="0">
+              <a:rPr lang="pt-BR" sz="1800" b="0" strike="noStrike" spc="-1" dirty="0">
                 <a:solidFill>
                   <a:srgbClr val="FFFFFF"/>
                 </a:solidFill>
@@ -16112,7 +16133,7 @@
                 </a:uFill>
                 <a:latin typeface="Calibri"/>
               </a:rPr>
-              <a:t>HTTP Server</a:t>
+              <a:t>Ethernet Driver</a:t>
             </a:r>
             <a:endParaRPr lang="pt-BR" sz="1800" b="0" strike="noStrike" spc="-1" dirty="0">
               <a:solidFill>
@@ -16130,10 +16151,10 @@
       </p:sp>
       <p:sp>
         <p:nvSpPr>
-          <p:cNvPr id="88" name="CustomShape 23">
+          <p:cNvPr id="90" name="CustomShape 23">
             <a:extLst>
               <a:ext uri="{FF2B5EF4-FFF2-40B4-BE49-F238E27FC236}">
-                <a16:creationId xmlns:a16="http://schemas.microsoft.com/office/drawing/2014/main" id="{E6E0BDC0-A8FC-48D9-B109-4EA602473AA0}"/>
+                <a16:creationId xmlns:a16="http://schemas.microsoft.com/office/drawing/2014/main" id="{5F3528A7-EB68-4D38-9AAF-6DA3D8696A36}"/>
               </a:ext>
             </a:extLst>
           </p:cNvPr>
@@ -16142,80 +16163,7 @@
         </p:nvSpPr>
         <p:spPr>
           <a:xfrm>
-            <a:off x="319832" y="3406527"/>
-            <a:ext cx="960328" cy="772200"/>
-          </a:xfrm>
-          <a:prstGeom prst="rect">
-            <a:avLst/>
-          </a:prstGeom>
-          <a:ln/>
-        </p:spPr>
-        <p:style>
-          <a:lnRef idx="2">
-            <a:schemeClr val="accent1">
-              <a:shade val="50000"/>
-            </a:schemeClr>
-          </a:lnRef>
-          <a:fillRef idx="1">
-            <a:schemeClr val="accent1"/>
-          </a:fillRef>
-          <a:effectRef idx="0">
-            <a:schemeClr val="accent1"/>
-          </a:effectRef>
-          <a:fontRef idx="minor"/>
-        </p:style>
-        <p:txBody>
-          <a:bodyPr lIns="90000" tIns="45000" rIns="90000" bIns="45000" anchor="ctr"/>
-          <a:lstStyle/>
-          <a:p>
-            <a:pPr algn="ctr">
-              <a:lnSpc>
-                <a:spcPct val="100000"/>
-              </a:lnSpc>
-            </a:pPr>
-            <a:r>
-              <a:rPr lang="pt-BR" spc="-1" dirty="0">
-                <a:solidFill>
-                  <a:srgbClr val="FFFFFF"/>
-                </a:solidFill>
-                <a:uFill>
-                  <a:solidFill>
-                    <a:srgbClr val="FFFFFF"/>
-                  </a:solidFill>
-                </a:uFill>
-                <a:latin typeface="Calibri"/>
-              </a:rPr>
-              <a:t>TCP/IP</a:t>
-            </a:r>
-            <a:endParaRPr lang="pt-BR" sz="1800" b="0" strike="noStrike" spc="-1" dirty="0">
-              <a:solidFill>
-                <a:srgbClr val="000000"/>
-              </a:solidFill>
-              <a:uFill>
-                <a:solidFill>
-                  <a:srgbClr val="FFFFFF"/>
-                </a:solidFill>
-              </a:uFill>
-              <a:latin typeface="Arial"/>
-            </a:endParaRPr>
-          </a:p>
-        </p:txBody>
-      </p:sp>
-      <p:sp>
-        <p:nvSpPr>
-          <p:cNvPr id="89" name="CustomShape 23">
-            <a:extLst>
-              <a:ext uri="{FF2B5EF4-FFF2-40B4-BE49-F238E27FC236}">
-                <a16:creationId xmlns:a16="http://schemas.microsoft.com/office/drawing/2014/main" id="{4DFAB116-DA3D-49A0-8436-6DD8F520F0A4}"/>
-              </a:ext>
-            </a:extLst>
-          </p:cNvPr>
-          <p:cNvSpPr/>
-          <p:nvPr/>
-        </p:nvSpPr>
-        <p:spPr>
-          <a:xfrm>
-            <a:off x="529030" y="4530761"/>
+            <a:off x="1324155" y="5651055"/>
             <a:ext cx="1892880" cy="772200"/>
           </a:xfrm>
           <a:prstGeom prst="rect">
@@ -16247,7 +16195,7 @@
               </a:lnSpc>
             </a:pPr>
             <a:r>
-              <a:rPr lang="pt-BR" sz="1800" b="0" strike="noStrike" spc="-1" dirty="0">
+              <a:rPr lang="pt-BR" spc="-1" dirty="0">
                 <a:solidFill>
                   <a:srgbClr val="FFFFFF"/>
                 </a:solidFill>
@@ -16258,7 +16206,7 @@
                 </a:uFill>
                 <a:latin typeface="Calibri"/>
               </a:rPr>
-              <a:t>Ethernet Driver</a:t>
+              <a:t>EMAC</a:t>
             </a:r>
             <a:endParaRPr lang="pt-BR" sz="1800" b="0" strike="noStrike" spc="-1" dirty="0">
               <a:solidFill>
@@ -16276,10 +16224,10 @@
       </p:sp>
       <p:sp>
         <p:nvSpPr>
-          <p:cNvPr id="90" name="CustomShape 23">
+          <p:cNvPr id="91" name="CustomShape 23">
             <a:extLst>
               <a:ext uri="{FF2B5EF4-FFF2-40B4-BE49-F238E27FC236}">
-                <a16:creationId xmlns:a16="http://schemas.microsoft.com/office/drawing/2014/main" id="{5F3528A7-EB68-4D38-9AAF-6DA3D8696A36}"/>
+                <a16:creationId xmlns:a16="http://schemas.microsoft.com/office/drawing/2014/main" id="{428A8F59-D769-4A2A-BE12-AB05F7D71EFD}"/>
               </a:ext>
             </a:extLst>
           </p:cNvPr>
@@ -16288,7 +16236,80 @@
         </p:nvSpPr>
         <p:spPr>
           <a:xfrm>
-            <a:off x="529030" y="5654995"/>
+            <a:off x="2270595" y="3402587"/>
+            <a:ext cx="1075214" cy="772200"/>
+          </a:xfrm>
+          <a:prstGeom prst="rect">
+            <a:avLst/>
+          </a:prstGeom>
+          <a:ln/>
+        </p:spPr>
+        <p:style>
+          <a:lnRef idx="2">
+            <a:schemeClr val="accent1">
+              <a:shade val="50000"/>
+            </a:schemeClr>
+          </a:lnRef>
+          <a:fillRef idx="1">
+            <a:schemeClr val="accent1"/>
+          </a:fillRef>
+          <a:effectRef idx="0">
+            <a:schemeClr val="accent1"/>
+          </a:effectRef>
+          <a:fontRef idx="minor"/>
+        </p:style>
+        <p:txBody>
+          <a:bodyPr lIns="90000" tIns="45000" rIns="90000" bIns="45000" anchor="ctr"/>
+          <a:lstStyle/>
+          <a:p>
+            <a:pPr algn="ctr">
+              <a:lnSpc>
+                <a:spcPct val="100000"/>
+              </a:lnSpc>
+            </a:pPr>
+            <a:r>
+              <a:rPr lang="pt-BR" sz="1800" b="0" strike="noStrike" spc="-1" dirty="0">
+                <a:solidFill>
+                  <a:srgbClr val="FFFFFF"/>
+                </a:solidFill>
+                <a:uFill>
+                  <a:solidFill>
+                    <a:srgbClr val="FFFFFF"/>
+                  </a:solidFill>
+                </a:uFill>
+                <a:latin typeface="Calibri"/>
+              </a:rPr>
+              <a:t>WEBSIDE</a:t>
+            </a:r>
+            <a:endParaRPr lang="pt-BR" sz="1800" b="0" strike="noStrike" spc="-1" dirty="0">
+              <a:solidFill>
+                <a:srgbClr val="000000"/>
+              </a:solidFill>
+              <a:uFill>
+                <a:solidFill>
+                  <a:srgbClr val="FFFFFF"/>
+                </a:solidFill>
+              </a:uFill>
+              <a:latin typeface="Arial"/>
+            </a:endParaRPr>
+          </a:p>
+        </p:txBody>
+      </p:sp>
+      <p:sp>
+        <p:nvSpPr>
+          <p:cNvPr id="92" name="CustomShape 23">
+            <a:extLst>
+              <a:ext uri="{FF2B5EF4-FFF2-40B4-BE49-F238E27FC236}">
+                <a16:creationId xmlns:a16="http://schemas.microsoft.com/office/drawing/2014/main" id="{1040F6C3-2CB5-4059-A792-350B6241AB93}"/>
+              </a:ext>
+            </a:extLst>
+          </p:cNvPr>
+          <p:cNvSpPr/>
+          <p:nvPr/>
+        </p:nvSpPr>
+        <p:spPr>
+          <a:xfrm>
+            <a:off x="3669389" y="5651055"/>
             <a:ext cx="1892880" cy="772200"/>
           </a:xfrm>
           <a:prstGeom prst="rect">
@@ -16320,7 +16341,7 @@
               </a:lnSpc>
             </a:pPr>
             <a:r>
-              <a:rPr lang="pt-BR" spc="-1" dirty="0">
+              <a:rPr lang="pt-BR" sz="1800" b="0" strike="noStrike" spc="-1" dirty="0">
                 <a:solidFill>
                   <a:srgbClr val="FFFFFF"/>
                 </a:solidFill>
@@ -16331,7 +16352,7 @@
                 </a:uFill>
                 <a:latin typeface="Calibri"/>
               </a:rPr>
-              <a:t>EMAC</a:t>
+              <a:t>GPIO</a:t>
             </a:r>
             <a:endParaRPr lang="pt-BR" sz="1800" b="0" strike="noStrike" spc="-1" dirty="0">
               <a:solidFill>
@@ -16349,10 +16370,10 @@
       </p:sp>
       <p:sp>
         <p:nvSpPr>
-          <p:cNvPr id="91" name="CustomShape 23">
+          <p:cNvPr id="94" name="CustomShape 23">
             <a:extLst>
               <a:ext uri="{FF2B5EF4-FFF2-40B4-BE49-F238E27FC236}">
-                <a16:creationId xmlns:a16="http://schemas.microsoft.com/office/drawing/2014/main" id="{428A8F59-D769-4A2A-BE12-AB05F7D71EFD}"/>
+                <a16:creationId xmlns:a16="http://schemas.microsoft.com/office/drawing/2014/main" id="{FC92E2B5-BA3F-4FF8-B5CD-6FBCCD804555}"/>
               </a:ext>
             </a:extLst>
           </p:cNvPr>
@@ -16361,80 +16382,7 @@
         </p:nvSpPr>
         <p:spPr>
           <a:xfrm>
-            <a:off x="1475470" y="3406527"/>
-            <a:ext cx="1075214" cy="772200"/>
-          </a:xfrm>
-          <a:prstGeom prst="rect">
-            <a:avLst/>
-          </a:prstGeom>
-          <a:ln/>
-        </p:spPr>
-        <p:style>
-          <a:lnRef idx="2">
-            <a:schemeClr val="accent1">
-              <a:shade val="50000"/>
-            </a:schemeClr>
-          </a:lnRef>
-          <a:fillRef idx="1">
-            <a:schemeClr val="accent1"/>
-          </a:fillRef>
-          <a:effectRef idx="0">
-            <a:schemeClr val="accent1"/>
-          </a:effectRef>
-          <a:fontRef idx="minor"/>
-        </p:style>
-        <p:txBody>
-          <a:bodyPr lIns="90000" tIns="45000" rIns="90000" bIns="45000" anchor="ctr"/>
-          <a:lstStyle/>
-          <a:p>
-            <a:pPr algn="ctr">
-              <a:lnSpc>
-                <a:spcPct val="100000"/>
-              </a:lnSpc>
-            </a:pPr>
-            <a:r>
-              <a:rPr lang="pt-BR" sz="1800" b="0" strike="noStrike" spc="-1" dirty="0">
-                <a:solidFill>
-                  <a:srgbClr val="FFFFFF"/>
-                </a:solidFill>
-                <a:uFill>
-                  <a:solidFill>
-                    <a:srgbClr val="FFFFFF"/>
-                  </a:solidFill>
-                </a:uFill>
-                <a:latin typeface="Calibri"/>
-              </a:rPr>
-              <a:t>WEBSIDE</a:t>
-            </a:r>
-            <a:endParaRPr lang="pt-BR" sz="1800" b="0" strike="noStrike" spc="-1" dirty="0">
-              <a:solidFill>
-                <a:srgbClr val="000000"/>
-              </a:solidFill>
-              <a:uFill>
-                <a:solidFill>
-                  <a:srgbClr val="FFFFFF"/>
-                </a:solidFill>
-              </a:uFill>
-              <a:latin typeface="Arial"/>
-            </a:endParaRPr>
-          </a:p>
-        </p:txBody>
-      </p:sp>
-      <p:sp>
-        <p:nvSpPr>
-          <p:cNvPr id="92" name="CustomShape 23">
-            <a:extLst>
-              <a:ext uri="{FF2B5EF4-FFF2-40B4-BE49-F238E27FC236}">
-                <a16:creationId xmlns:a16="http://schemas.microsoft.com/office/drawing/2014/main" id="{1040F6C3-2CB5-4059-A792-350B6241AB93}"/>
-              </a:ext>
-            </a:extLst>
-          </p:cNvPr>
-          <p:cNvSpPr/>
-          <p:nvPr/>
-        </p:nvSpPr>
-        <p:spPr>
-          <a:xfrm>
-            <a:off x="2874264" y="5654995"/>
+            <a:off x="6749136" y="5651055"/>
             <a:ext cx="1892880" cy="772200"/>
           </a:xfrm>
           <a:prstGeom prst="rect">
@@ -16477,79 +16425,6 @@
                 </a:uFill>
                 <a:latin typeface="Calibri"/>
               </a:rPr>
-              <a:t>GPIO</a:t>
-            </a:r>
-            <a:endParaRPr lang="pt-BR" sz="1800" b="0" strike="noStrike" spc="-1" dirty="0">
-              <a:solidFill>
-                <a:srgbClr val="000000"/>
-              </a:solidFill>
-              <a:uFill>
-                <a:solidFill>
-                  <a:srgbClr val="FFFFFF"/>
-                </a:solidFill>
-              </a:uFill>
-              <a:latin typeface="Arial"/>
-            </a:endParaRPr>
-          </a:p>
-        </p:txBody>
-      </p:sp>
-      <p:sp>
-        <p:nvSpPr>
-          <p:cNvPr id="94" name="CustomShape 23">
-            <a:extLst>
-              <a:ext uri="{FF2B5EF4-FFF2-40B4-BE49-F238E27FC236}">
-                <a16:creationId xmlns:a16="http://schemas.microsoft.com/office/drawing/2014/main" id="{FC92E2B5-BA3F-4FF8-B5CD-6FBCCD804555}"/>
-              </a:ext>
-            </a:extLst>
-          </p:cNvPr>
-          <p:cNvSpPr/>
-          <p:nvPr/>
-        </p:nvSpPr>
-        <p:spPr>
-          <a:xfrm>
-            <a:off x="7488532" y="5654995"/>
-            <a:ext cx="1892880" cy="772200"/>
-          </a:xfrm>
-          <a:prstGeom prst="rect">
-            <a:avLst/>
-          </a:prstGeom>
-          <a:ln/>
-        </p:spPr>
-        <p:style>
-          <a:lnRef idx="2">
-            <a:schemeClr val="accent1">
-              <a:shade val="50000"/>
-            </a:schemeClr>
-          </a:lnRef>
-          <a:fillRef idx="1">
-            <a:schemeClr val="accent1"/>
-          </a:fillRef>
-          <a:effectRef idx="0">
-            <a:schemeClr val="accent1"/>
-          </a:effectRef>
-          <a:fontRef idx="minor"/>
-        </p:style>
-        <p:txBody>
-          <a:bodyPr lIns="90000" tIns="45000" rIns="90000" bIns="45000" anchor="ctr"/>
-          <a:lstStyle/>
-          <a:p>
-            <a:pPr algn="ctr">
-              <a:lnSpc>
-                <a:spcPct val="100000"/>
-              </a:lnSpc>
-            </a:pPr>
-            <a:r>
-              <a:rPr lang="pt-BR" sz="1800" b="0" strike="noStrike" spc="-1" dirty="0">
-                <a:solidFill>
-                  <a:srgbClr val="FFFFFF"/>
-                </a:solidFill>
-                <a:uFill>
-                  <a:solidFill>
-                    <a:srgbClr val="FFFFFF"/>
-                  </a:solidFill>
-                </a:uFill>
-                <a:latin typeface="Calibri"/>
-              </a:rPr>
               <a:t>I2C</a:t>
             </a:r>
             <a:endParaRPr lang="pt-BR" sz="1800" b="0" strike="noStrike" spc="-1" dirty="0">
@@ -16566,52 +16441,6 @@
           </a:p>
         </p:txBody>
       </p:sp>
-      <p:cxnSp>
-        <p:nvCxnSpPr>
-          <p:cNvPr id="49" name="Conector de Seta Reta 48">
-            <a:extLst>
-              <a:ext uri="{FF2B5EF4-FFF2-40B4-BE49-F238E27FC236}">
-                <a16:creationId xmlns:a16="http://schemas.microsoft.com/office/drawing/2014/main" id="{CED7ECA2-B390-473B-9BFA-911B330DF3D3}"/>
-              </a:ext>
-            </a:extLst>
-          </p:cNvPr>
-          <p:cNvCxnSpPr>
-            <a:cxnSpLocks/>
-            <a:stCxn id="58" idx="2"/>
-            <a:endCxn id="60" idx="0"/>
-          </p:cNvCxnSpPr>
-          <p:nvPr/>
-        </p:nvCxnSpPr>
-        <p:spPr>
-          <a:xfrm>
-            <a:off x="6115138" y="1907083"/>
-            <a:ext cx="0" cy="371270"/>
-          </a:xfrm>
-          <a:prstGeom prst="straightConnector1">
-            <a:avLst/>
-          </a:prstGeom>
-          <a:ln>
-            <a:solidFill>
-              <a:schemeClr val="tx1"/>
-            </a:solidFill>
-            <a:tailEnd type="triangle"/>
-          </a:ln>
-        </p:spPr>
-        <p:style>
-          <a:lnRef idx="1">
-            <a:schemeClr val="accent1"/>
-          </a:lnRef>
-          <a:fillRef idx="0">
-            <a:schemeClr val="accent1"/>
-          </a:fillRef>
-          <a:effectRef idx="0">
-            <a:schemeClr val="accent1"/>
-          </a:effectRef>
-          <a:fontRef idx="minor">
-            <a:schemeClr val="tx1"/>
-          </a:fontRef>
-        </p:style>
-      </p:cxnSp>
       <p:cxnSp>
         <p:nvCxnSpPr>
           <p:cNvPr id="55" name="Conector: Angulado 54">
@@ -16630,8 +16459,8 @@
         </p:nvCxnSpPr>
         <p:spPr>
           <a:xfrm rot="5400000">
-            <a:off x="4769586" y="932801"/>
-            <a:ext cx="371270" cy="2319834"/>
+            <a:off x="5169119" y="1328394"/>
+            <a:ext cx="367330" cy="1524709"/>
           </a:xfrm>
           <a:prstGeom prst="bentConnector3">
             <a:avLst/>
@@ -16676,8 +16505,8 @@
         </p:nvCxnSpPr>
         <p:spPr>
           <a:xfrm rot="16200000" flipH="1">
-            <a:off x="7089420" y="932801"/>
-            <a:ext cx="371270" cy="2319834"/>
+            <a:off x="6721692" y="1300529"/>
+            <a:ext cx="367330" cy="1580438"/>
           </a:xfrm>
           <a:prstGeom prst="bentConnector3">
             <a:avLst/>
@@ -16722,8 +16551,8 @@
         </p:nvCxnSpPr>
         <p:spPr>
           <a:xfrm rot="16200000" flipH="1">
-            <a:off x="8249337" y="-227116"/>
-            <a:ext cx="371270" cy="4639668"/>
+            <a:off x="7881609" y="140612"/>
+            <a:ext cx="367330" cy="3900272"/>
           </a:xfrm>
           <a:prstGeom prst="bentConnector3">
             <a:avLst/>
@@ -16768,8 +16597,8 @@
         </p:nvCxnSpPr>
         <p:spPr>
           <a:xfrm rot="5400000">
-            <a:off x="3601574" y="-231271"/>
-            <a:ext cx="375210" cy="4651918"/>
+            <a:off x="4001107" y="164322"/>
+            <a:ext cx="371270" cy="3856793"/>
           </a:xfrm>
           <a:prstGeom prst="bentConnector3">
             <a:avLst/>
@@ -16813,7 +16642,7 @@
         </p:nvCxnSpPr>
         <p:spPr>
           <a:xfrm rot="5400000">
-            <a:off x="955591" y="2898898"/>
+            <a:off x="1750716" y="2894958"/>
             <a:ext cx="352034" cy="663224"/>
           </a:xfrm>
           <a:prstGeom prst="bentConnector3">
@@ -16858,7 +16687,7 @@
         </p:nvCxnSpPr>
         <p:spPr>
           <a:xfrm rot="16200000" flipH="1">
-            <a:off x="1562131" y="2955581"/>
+            <a:off x="2357256" y="2951641"/>
             <a:ext cx="352034" cy="549857"/>
           </a:xfrm>
           <a:prstGeom prst="bentConnector3">
@@ -16904,7 +16733,7 @@
         </p:nvCxnSpPr>
         <p:spPr>
           <a:xfrm rot="16200000" flipH="1">
-            <a:off x="961716" y="4017007"/>
+            <a:off x="1756841" y="4013067"/>
             <a:ext cx="352034" cy="675474"/>
           </a:xfrm>
           <a:prstGeom prst="bentConnector3">
@@ -16949,7 +16778,7 @@
         </p:nvCxnSpPr>
         <p:spPr>
           <a:xfrm>
-            <a:off x="3795304" y="3050553"/>
+            <a:off x="4590429" y="3046613"/>
             <a:ext cx="25400" cy="2604442"/>
           </a:xfrm>
           <a:prstGeom prst="straightConnector1">
@@ -16994,7 +16823,7 @@
         </p:nvCxnSpPr>
         <p:spPr>
           <a:xfrm>
-            <a:off x="8434972" y="3050553"/>
+            <a:off x="7695576" y="3046613"/>
             <a:ext cx="0" cy="1514741"/>
           </a:xfrm>
           <a:prstGeom prst="straightConnector1">
@@ -17039,7 +16868,7 @@
         </p:nvCxnSpPr>
         <p:spPr>
           <a:xfrm>
-            <a:off x="8434972" y="5337494"/>
+            <a:off x="7695576" y="5333554"/>
             <a:ext cx="0" cy="317501"/>
           </a:xfrm>
           <a:prstGeom prst="straightConnector1">
@@ -17084,7 +16913,7 @@
         </p:nvCxnSpPr>
         <p:spPr>
           <a:xfrm>
-            <a:off x="10754806" y="3050553"/>
+            <a:off x="10015410" y="3046613"/>
             <a:ext cx="0" cy="1514741"/>
           </a:xfrm>
           <a:prstGeom prst="straightConnector1">
@@ -17129,7 +16958,7 @@
         </p:nvCxnSpPr>
         <p:spPr>
           <a:xfrm>
-            <a:off x="10754806" y="5337494"/>
+            <a:off x="10015410" y="5333554"/>
             <a:ext cx="0" cy="317501"/>
           </a:xfrm>
           <a:prstGeom prst="straightConnector1">
@@ -17174,7 +17003,7 @@
         </p:nvCxnSpPr>
         <p:spPr>
           <a:xfrm>
-            <a:off x="1475470" y="5302961"/>
+            <a:off x="2270595" y="5299021"/>
             <a:ext cx="0" cy="352034"/>
           </a:xfrm>
           <a:prstGeom prst="straightConnector1">
@@ -17325,7 +17154,7 @@
         </p:nvSpPr>
         <p:spPr>
           <a:xfrm>
-            <a:off x="636105" y="1542140"/>
+            <a:off x="1073427" y="1542140"/>
             <a:ext cx="9978886" cy="772200"/>
           </a:xfrm>
           <a:prstGeom prst="rect">
@@ -17386,10 +17215,10 @@
       </p:sp>
       <p:sp>
         <p:nvSpPr>
-          <p:cNvPr id="76" name="CustomShape 3">
+          <p:cNvPr id="77" name="CustomShape 4">
             <a:extLst>
               <a:ext uri="{FF2B5EF4-FFF2-40B4-BE49-F238E27FC236}">
-                <a16:creationId xmlns:a16="http://schemas.microsoft.com/office/drawing/2014/main" id="{BFFAC4B5-8691-4F68-81AC-6BCE919A2D62}"/>
+                <a16:creationId xmlns:a16="http://schemas.microsoft.com/office/drawing/2014/main" id="{C523C775-A623-4EFF-B27B-6E1523AC7476}"/>
               </a:ext>
             </a:extLst>
           </p:cNvPr>
@@ -17398,7 +17227,80 @@
         </p:nvSpPr>
         <p:spPr>
           <a:xfrm>
-            <a:off x="5002960" y="2384647"/>
+            <a:off x="8836041" y="2384646"/>
+            <a:ext cx="1892880" cy="1586728"/>
+          </a:xfrm>
+          <a:prstGeom prst="rect">
+            <a:avLst/>
+          </a:prstGeom>
+          <a:ln/>
+        </p:spPr>
+        <p:style>
+          <a:lnRef idx="2">
+            <a:schemeClr val="accent1">
+              <a:shade val="50000"/>
+            </a:schemeClr>
+          </a:lnRef>
+          <a:fillRef idx="1">
+            <a:schemeClr val="accent1"/>
+          </a:fillRef>
+          <a:effectRef idx="0">
+            <a:schemeClr val="accent1"/>
+          </a:effectRef>
+          <a:fontRef idx="minor"/>
+        </p:style>
+        <p:txBody>
+          <a:bodyPr lIns="90000" tIns="45000" rIns="90000" bIns="45000" anchor="ctr"/>
+          <a:lstStyle/>
+          <a:p>
+            <a:pPr algn="ctr">
+              <a:lnSpc>
+                <a:spcPct val="100000"/>
+              </a:lnSpc>
+            </a:pPr>
+            <a:r>
+              <a:rPr lang="pt-BR" spc="-1" dirty="0">
+                <a:solidFill>
+                  <a:srgbClr val="FFFFFF"/>
+                </a:solidFill>
+                <a:uFill>
+                  <a:solidFill>
+                    <a:srgbClr val="FFFFFF"/>
+                  </a:solidFill>
+                </a:uFill>
+                <a:latin typeface="Calibri"/>
+              </a:rPr>
+              <a:t>OLED</a:t>
+            </a:r>
+            <a:endParaRPr lang="pt-BR" sz="1800" b="0" strike="noStrike" spc="-1" dirty="0">
+              <a:solidFill>
+                <a:srgbClr val="000000"/>
+              </a:solidFill>
+              <a:uFill>
+                <a:solidFill>
+                  <a:srgbClr val="FFFFFF"/>
+                </a:solidFill>
+              </a:uFill>
+              <a:latin typeface="Arial"/>
+            </a:endParaRPr>
+          </a:p>
+        </p:txBody>
+      </p:sp>
+      <p:sp>
+        <p:nvSpPr>
+          <p:cNvPr id="78" name="CustomShape 18">
+            <a:extLst>
+              <a:ext uri="{FF2B5EF4-FFF2-40B4-BE49-F238E27FC236}">
+                <a16:creationId xmlns:a16="http://schemas.microsoft.com/office/drawing/2014/main" id="{3103F024-DE6A-4642-A033-DD0C8A2618EA}"/>
+              </a:ext>
+            </a:extLst>
+          </p:cNvPr>
+          <p:cNvSpPr/>
+          <p:nvPr/>
+        </p:nvSpPr>
+        <p:spPr>
+          <a:xfrm>
+            <a:off x="6716094" y="4053164"/>
             <a:ext cx="1892880" cy="772200"/>
           </a:xfrm>
           <a:prstGeom prst="rect">
@@ -17441,7 +17343,21 @@
                 </a:uFill>
                 <a:latin typeface="Calibri"/>
               </a:rPr>
-              <a:t>Gerenciador de Configuração</a:t>
+              <a:t>Driver </a:t>
+            </a:r>
+            <a:r>
+              <a:rPr lang="pt-BR" spc="-1" dirty="0">
+                <a:solidFill>
+                  <a:srgbClr val="FFFFFF"/>
+                </a:solidFill>
+                <a:uFill>
+                  <a:solidFill>
+                    <a:srgbClr val="FFFFFF"/>
+                  </a:solidFill>
+                </a:uFill>
+                <a:latin typeface="Calibri"/>
+              </a:rPr>
+              <a:t>Sensor de Luminosidade</a:t>
             </a:r>
             <a:endParaRPr lang="pt-BR" sz="1800" b="0" strike="noStrike" spc="-1" dirty="0">
               <a:solidFill>
@@ -17459,10 +17375,10 @@
       </p:sp>
       <p:sp>
         <p:nvSpPr>
-          <p:cNvPr id="77" name="CustomShape 4">
+          <p:cNvPr id="79" name="CustomShape 22">
             <a:extLst>
               <a:ext uri="{FF2B5EF4-FFF2-40B4-BE49-F238E27FC236}">
-                <a16:creationId xmlns:a16="http://schemas.microsoft.com/office/drawing/2014/main" id="{C523C775-A623-4EFF-B27B-6E1523AC7476}"/>
+                <a16:creationId xmlns:a16="http://schemas.microsoft.com/office/drawing/2014/main" id="{ADD468E6-6B72-4B7E-9109-70CD571DF383}"/>
               </a:ext>
             </a:extLst>
           </p:cNvPr>
@@ -17471,80 +17387,7 @@
         </p:nvSpPr>
         <p:spPr>
           <a:xfrm>
-            <a:off x="9417341" y="2372502"/>
-            <a:ext cx="1892880" cy="1586728"/>
-          </a:xfrm>
-          <a:prstGeom prst="rect">
-            <a:avLst/>
-          </a:prstGeom>
-          <a:ln/>
-        </p:spPr>
-        <p:style>
-          <a:lnRef idx="2">
-            <a:schemeClr val="accent1">
-              <a:shade val="50000"/>
-            </a:schemeClr>
-          </a:lnRef>
-          <a:fillRef idx="1">
-            <a:schemeClr val="accent1"/>
-          </a:fillRef>
-          <a:effectRef idx="0">
-            <a:schemeClr val="accent1"/>
-          </a:effectRef>
-          <a:fontRef idx="minor"/>
-        </p:style>
-        <p:txBody>
-          <a:bodyPr lIns="90000" tIns="45000" rIns="90000" bIns="45000" anchor="ctr"/>
-          <a:lstStyle/>
-          <a:p>
-            <a:pPr algn="ctr">
-              <a:lnSpc>
-                <a:spcPct val="100000"/>
-              </a:lnSpc>
-            </a:pPr>
-            <a:r>
-              <a:rPr lang="pt-BR" spc="-1" dirty="0">
-                <a:solidFill>
-                  <a:srgbClr val="FFFFFF"/>
-                </a:solidFill>
-                <a:uFill>
-                  <a:solidFill>
-                    <a:srgbClr val="FFFFFF"/>
-                  </a:solidFill>
-                </a:uFill>
-                <a:latin typeface="Calibri"/>
-              </a:rPr>
-              <a:t>OLED</a:t>
-            </a:r>
-            <a:endParaRPr lang="pt-BR" sz="1800" b="0" strike="noStrike" spc="-1" dirty="0">
-              <a:solidFill>
-                <a:srgbClr val="000000"/>
-              </a:solidFill>
-              <a:uFill>
-                <a:solidFill>
-                  <a:srgbClr val="FFFFFF"/>
-                </a:solidFill>
-              </a:uFill>
-              <a:latin typeface="Arial"/>
-            </a:endParaRPr>
-          </a:p>
-        </p:txBody>
-      </p:sp>
-      <p:sp>
-        <p:nvSpPr>
-          <p:cNvPr id="78" name="CustomShape 18">
-            <a:extLst>
-              <a:ext uri="{FF2B5EF4-FFF2-40B4-BE49-F238E27FC236}">
-                <a16:creationId xmlns:a16="http://schemas.microsoft.com/office/drawing/2014/main" id="{3103F024-DE6A-4642-A033-DD0C8A2618EA}"/>
-              </a:ext>
-            </a:extLst>
-          </p:cNvPr>
-          <p:cNvSpPr/>
-          <p:nvPr/>
-        </p:nvSpPr>
-        <p:spPr>
-          <a:xfrm>
-            <a:off x="7297394" y="4041020"/>
+            <a:off x="8836041" y="4029037"/>
             <a:ext cx="1892880" cy="772200"/>
           </a:xfrm>
           <a:prstGeom prst="rect">
@@ -17587,21 +17430,7 @@
                 </a:uFill>
                 <a:latin typeface="Calibri"/>
               </a:rPr>
-              <a:t>Driver </a:t>
-            </a:r>
-            <a:r>
-              <a:rPr lang="pt-BR" spc="-1" dirty="0">
-                <a:solidFill>
-                  <a:srgbClr val="FFFFFF"/>
-                </a:solidFill>
-                <a:uFill>
-                  <a:solidFill>
-                    <a:srgbClr val="FFFFFF"/>
-                  </a:solidFill>
-                </a:uFill>
-                <a:latin typeface="Calibri"/>
-              </a:rPr>
-              <a:t>Sensor de Luminosidade</a:t>
+              <a:t>Driver OLED</a:t>
             </a:r>
             <a:endParaRPr lang="pt-BR" sz="1800" b="0" strike="noStrike" spc="-1" dirty="0">
               <a:solidFill>
@@ -17619,10 +17448,10 @@
       </p:sp>
       <p:sp>
         <p:nvSpPr>
-          <p:cNvPr id="79" name="CustomShape 22">
+          <p:cNvPr id="80" name="CustomShape 23">
             <a:extLst>
               <a:ext uri="{FF2B5EF4-FFF2-40B4-BE49-F238E27FC236}">
-                <a16:creationId xmlns:a16="http://schemas.microsoft.com/office/drawing/2014/main" id="{ADD468E6-6B72-4B7E-9109-70CD571DF383}"/>
+                <a16:creationId xmlns:a16="http://schemas.microsoft.com/office/drawing/2014/main" id="{03D2C97D-4489-4CE2-8C9F-81FB215FD525}"/>
               </a:ext>
             </a:extLst>
           </p:cNvPr>
@@ -17631,7 +17460,7 @@
         </p:nvSpPr>
         <p:spPr>
           <a:xfrm>
-            <a:off x="9417341" y="4016893"/>
+            <a:off x="8863126" y="4901228"/>
             <a:ext cx="1892880" cy="772200"/>
           </a:xfrm>
           <a:prstGeom prst="rect">
@@ -17674,7 +17503,7 @@
                 </a:uFill>
                 <a:latin typeface="Calibri"/>
               </a:rPr>
-              <a:t>Driver OLED</a:t>
+              <a:t>SPI/I2C</a:t>
             </a:r>
             <a:endParaRPr lang="pt-BR" sz="1800" b="0" strike="noStrike" spc="-1" dirty="0">
               <a:solidFill>
@@ -17692,10 +17521,10 @@
       </p:sp>
       <p:sp>
         <p:nvSpPr>
-          <p:cNvPr id="80" name="CustomShape 23">
+          <p:cNvPr id="81" name="CustomShape 3">
             <a:extLst>
               <a:ext uri="{FF2B5EF4-FFF2-40B4-BE49-F238E27FC236}">
-                <a16:creationId xmlns:a16="http://schemas.microsoft.com/office/drawing/2014/main" id="{03D2C97D-4489-4CE2-8C9F-81FB215FD525}"/>
+                <a16:creationId xmlns:a16="http://schemas.microsoft.com/office/drawing/2014/main" id="{699BBD6D-25AA-4619-B550-F41EDBC76861}"/>
               </a:ext>
             </a:extLst>
           </p:cNvPr>
@@ -17704,7 +17533,153 @@
         </p:nvSpPr>
         <p:spPr>
           <a:xfrm>
-            <a:off x="9444426" y="4889084"/>
+            <a:off x="6716094" y="2396790"/>
+            <a:ext cx="1892880" cy="1590417"/>
+          </a:xfrm>
+          <a:prstGeom prst="rect">
+            <a:avLst/>
+          </a:prstGeom>
+          <a:ln/>
+        </p:spPr>
+        <p:style>
+          <a:lnRef idx="2">
+            <a:schemeClr val="accent1">
+              <a:shade val="50000"/>
+            </a:schemeClr>
+          </a:lnRef>
+          <a:fillRef idx="1">
+            <a:schemeClr val="accent1"/>
+          </a:fillRef>
+          <a:effectRef idx="0">
+            <a:schemeClr val="accent1"/>
+          </a:effectRef>
+          <a:fontRef idx="minor"/>
+        </p:style>
+        <p:txBody>
+          <a:bodyPr lIns="90000" tIns="45000" rIns="90000" bIns="45000" anchor="ctr"/>
+          <a:lstStyle/>
+          <a:p>
+            <a:pPr algn="ctr">
+              <a:lnSpc>
+                <a:spcPct val="100000"/>
+              </a:lnSpc>
+            </a:pPr>
+            <a:r>
+              <a:rPr lang="pt-BR" sz="1800" b="0" strike="noStrike" spc="-1" dirty="0">
+                <a:solidFill>
+                  <a:srgbClr val="FFFFFF"/>
+                </a:solidFill>
+                <a:uFill>
+                  <a:solidFill>
+                    <a:srgbClr val="FFFFFF"/>
+                  </a:solidFill>
+                </a:uFill>
+                <a:latin typeface="Calibri"/>
+              </a:rPr>
+              <a:t>Sensor</a:t>
+            </a:r>
+            <a:endParaRPr lang="pt-BR" sz="1800" b="0" strike="noStrike" spc="-1" dirty="0">
+              <a:solidFill>
+                <a:srgbClr val="000000"/>
+              </a:solidFill>
+              <a:uFill>
+                <a:solidFill>
+                  <a:srgbClr val="FFFFFF"/>
+                </a:solidFill>
+              </a:uFill>
+              <a:latin typeface="Arial"/>
+            </a:endParaRPr>
+          </a:p>
+        </p:txBody>
+      </p:sp>
+      <p:sp>
+        <p:nvSpPr>
+          <p:cNvPr id="82" name="CustomShape 23">
+            <a:extLst>
+              <a:ext uri="{FF2B5EF4-FFF2-40B4-BE49-F238E27FC236}">
+                <a16:creationId xmlns:a16="http://schemas.microsoft.com/office/drawing/2014/main" id="{E90AA218-4044-4257-A4BD-C56B3A887872}"/>
+              </a:ext>
+            </a:extLst>
+          </p:cNvPr>
+          <p:cNvSpPr/>
+          <p:nvPr/>
+        </p:nvSpPr>
+        <p:spPr>
+          <a:xfrm>
+            <a:off x="4139761" y="2414057"/>
+            <a:ext cx="1892880" cy="2362617"/>
+          </a:xfrm>
+          <a:prstGeom prst="rect">
+            <a:avLst/>
+          </a:prstGeom>
+          <a:ln/>
+        </p:spPr>
+        <p:style>
+          <a:lnRef idx="2">
+            <a:schemeClr val="accent1">
+              <a:shade val="50000"/>
+            </a:schemeClr>
+          </a:lnRef>
+          <a:fillRef idx="1">
+            <a:schemeClr val="accent1"/>
+          </a:fillRef>
+          <a:effectRef idx="0">
+            <a:schemeClr val="accent1"/>
+          </a:effectRef>
+          <a:fontRef idx="minor"/>
+        </p:style>
+        <p:txBody>
+          <a:bodyPr lIns="90000" tIns="45000" rIns="90000" bIns="45000" anchor="ctr"/>
+          <a:lstStyle/>
+          <a:p>
+            <a:pPr algn="ctr">
+              <a:lnSpc>
+                <a:spcPct val="100000"/>
+              </a:lnSpc>
+            </a:pPr>
+            <a:r>
+              <a:rPr lang="pt-BR" spc="-1" dirty="0">
+                <a:solidFill>
+                  <a:srgbClr val="FFFFFF"/>
+                </a:solidFill>
+                <a:uFill>
+                  <a:solidFill>
+                    <a:srgbClr val="FFFFFF"/>
+                  </a:solidFill>
+                </a:uFill>
+                <a:latin typeface="Calibri"/>
+              </a:rPr>
+              <a:t>Botão</a:t>
+            </a:r>
+            <a:endParaRPr lang="pt-BR" sz="1800" b="0" strike="noStrike" spc="-1" dirty="0">
+              <a:solidFill>
+                <a:srgbClr val="000000"/>
+              </a:solidFill>
+              <a:uFill>
+                <a:solidFill>
+                  <a:srgbClr val="FFFFFF"/>
+                </a:solidFill>
+              </a:uFill>
+              <a:latin typeface="Arial"/>
+            </a:endParaRPr>
+          </a:p>
+        </p:txBody>
+      </p:sp>
+      <p:sp>
+        <p:nvSpPr>
+          <p:cNvPr id="95" name="CustomShape 23">
+            <a:extLst>
+              <a:ext uri="{FF2B5EF4-FFF2-40B4-BE49-F238E27FC236}">
+                <a16:creationId xmlns:a16="http://schemas.microsoft.com/office/drawing/2014/main" id="{6EF3EDA1-31A8-41E9-A754-95C5539E3E10}"/>
+              </a:ext>
+            </a:extLst>
+          </p:cNvPr>
+          <p:cNvSpPr/>
+          <p:nvPr/>
+        </p:nvSpPr>
+        <p:spPr>
+          <a:xfrm>
+            <a:off x="1493199" y="2384646"/>
             <a:ext cx="1892880" cy="772200"/>
           </a:xfrm>
           <a:prstGeom prst="rect">
@@ -17736,7 +17711,7 @@
               </a:lnSpc>
             </a:pPr>
             <a:r>
-              <a:rPr lang="pt-BR" sz="1800" b="0" strike="noStrike" spc="-1" dirty="0">
+              <a:rPr lang="pt-BR" spc="-1" dirty="0">
                 <a:solidFill>
                   <a:srgbClr val="FFFFFF"/>
                 </a:solidFill>
@@ -17747,7 +17722,7 @@
                 </a:uFill>
                 <a:latin typeface="Calibri"/>
               </a:rPr>
-              <a:t>SPI/I2C</a:t>
+              <a:t>HTTP Server</a:t>
             </a:r>
             <a:endParaRPr lang="pt-BR" sz="1800" b="0" strike="noStrike" spc="-1" dirty="0">
               <a:solidFill>
@@ -17765,10 +17740,10 @@
       </p:sp>
       <p:sp>
         <p:nvSpPr>
-          <p:cNvPr id="81" name="CustomShape 3">
+          <p:cNvPr id="96" name="CustomShape 23">
             <a:extLst>
               <a:ext uri="{FF2B5EF4-FFF2-40B4-BE49-F238E27FC236}">
-                <a16:creationId xmlns:a16="http://schemas.microsoft.com/office/drawing/2014/main" id="{699BBD6D-25AA-4619-B550-F41EDBC76861}"/>
+                <a16:creationId xmlns:a16="http://schemas.microsoft.com/office/drawing/2014/main" id="{B8061600-A798-4C67-91BC-0E7E42C15E65}"/>
               </a:ext>
             </a:extLst>
           </p:cNvPr>
@@ -17777,8 +17752,8 @@
         </p:nvSpPr>
         <p:spPr>
           <a:xfrm>
-            <a:off x="7297394" y="2384646"/>
-            <a:ext cx="1892880" cy="1590417"/>
+            <a:off x="2621061" y="3216441"/>
+            <a:ext cx="960328" cy="772200"/>
           </a:xfrm>
           <a:prstGeom prst="rect">
             <a:avLst/>
@@ -17809,7 +17784,7 @@
               </a:lnSpc>
             </a:pPr>
             <a:r>
-              <a:rPr lang="pt-BR" sz="1800" b="0" strike="noStrike" spc="-1" dirty="0">
+              <a:rPr lang="pt-BR" spc="-1" dirty="0">
                 <a:solidFill>
                   <a:srgbClr val="FFFFFF"/>
                 </a:solidFill>
@@ -17820,7 +17795,7 @@
                 </a:uFill>
                 <a:latin typeface="Calibri"/>
               </a:rPr>
-              <a:t>Sensor</a:t>
+              <a:t>TCP/IP</a:t>
             </a:r>
             <a:endParaRPr lang="pt-BR" sz="1800" b="0" strike="noStrike" spc="-1" dirty="0">
               <a:solidFill>
@@ -17838,10 +17813,10 @@
       </p:sp>
       <p:sp>
         <p:nvSpPr>
-          <p:cNvPr id="82" name="CustomShape 23">
+          <p:cNvPr id="97" name="CustomShape 23">
             <a:extLst>
               <a:ext uri="{FF2B5EF4-FFF2-40B4-BE49-F238E27FC236}">
-                <a16:creationId xmlns:a16="http://schemas.microsoft.com/office/drawing/2014/main" id="{E90AA218-4044-4257-A4BD-C56B3A887872}"/>
+                <a16:creationId xmlns:a16="http://schemas.microsoft.com/office/drawing/2014/main" id="{5427F770-CB59-4F22-AECD-EB17DB5DCAFF}"/>
               </a:ext>
             </a:extLst>
           </p:cNvPr>
@@ -17850,8 +17825,8 @@
         </p:nvSpPr>
         <p:spPr>
           <a:xfrm>
-            <a:off x="2814544" y="2384646"/>
-            <a:ext cx="1892880" cy="2362617"/>
+            <a:off x="2634949" y="4004475"/>
+            <a:ext cx="1325217" cy="772200"/>
           </a:xfrm>
           <a:prstGeom prst="rect">
             <a:avLst/>
@@ -17882,7 +17857,7 @@
               </a:lnSpc>
             </a:pPr>
             <a:r>
-              <a:rPr lang="pt-BR" spc="-1" dirty="0">
+              <a:rPr lang="pt-BR" sz="1800" b="0" strike="noStrike" spc="-1" dirty="0">
                 <a:solidFill>
                   <a:srgbClr val="FFFFFF"/>
                 </a:solidFill>
@@ -17893,7 +17868,7 @@
                 </a:uFill>
                 <a:latin typeface="Calibri"/>
               </a:rPr>
-              <a:t>Botão</a:t>
+              <a:t>Ethernet Driver</a:t>
             </a:r>
             <a:endParaRPr lang="pt-BR" sz="1800" b="0" strike="noStrike" spc="-1" dirty="0">
               <a:solidFill>
@@ -17911,10 +17886,10 @@
       </p:sp>
       <p:sp>
         <p:nvSpPr>
-          <p:cNvPr id="95" name="CustomShape 23">
+          <p:cNvPr id="98" name="CustomShape 23">
             <a:extLst>
               <a:ext uri="{FF2B5EF4-FFF2-40B4-BE49-F238E27FC236}">
-                <a16:creationId xmlns:a16="http://schemas.microsoft.com/office/drawing/2014/main" id="{6EF3EDA1-31A8-41E9-A754-95C5539E3E10}"/>
+                <a16:creationId xmlns:a16="http://schemas.microsoft.com/office/drawing/2014/main" id="{A7BCFFF2-FB2B-43A9-945C-B448BDABA0CE}"/>
               </a:ext>
             </a:extLst>
           </p:cNvPr>
@@ -17923,7 +17898,7 @@
         </p:nvSpPr>
         <p:spPr>
           <a:xfrm>
-            <a:off x="167982" y="2355235"/>
+            <a:off x="2140863" y="4842631"/>
             <a:ext cx="1892880" cy="772200"/>
           </a:xfrm>
           <a:prstGeom prst="rect">
@@ -17966,7 +17941,7 @@
                 </a:uFill>
                 <a:latin typeface="Calibri"/>
               </a:rPr>
-              <a:t>HTTP Server</a:t>
+              <a:t>EMAC</a:t>
             </a:r>
             <a:endParaRPr lang="pt-BR" sz="1800" b="0" strike="noStrike" spc="-1" dirty="0">
               <a:solidFill>
@@ -17984,10 +17959,10 @@
       </p:sp>
       <p:sp>
         <p:nvSpPr>
-          <p:cNvPr id="96" name="CustomShape 23">
+          <p:cNvPr id="99" name="CustomShape 23">
             <a:extLst>
               <a:ext uri="{FF2B5EF4-FFF2-40B4-BE49-F238E27FC236}">
-                <a16:creationId xmlns:a16="http://schemas.microsoft.com/office/drawing/2014/main" id="{B8061600-A798-4C67-91BC-0E7E42C15E65}"/>
+                <a16:creationId xmlns:a16="http://schemas.microsoft.com/office/drawing/2014/main" id="{287F315B-8135-43F3-AAD7-6A88F1553FD7}"/>
               </a:ext>
             </a:extLst>
           </p:cNvPr>
@@ -17996,8 +17971,8 @@
         </p:nvSpPr>
         <p:spPr>
           <a:xfrm>
-            <a:off x="1295844" y="3187030"/>
-            <a:ext cx="960328" cy="772200"/>
+            <a:off x="1493199" y="3197741"/>
+            <a:ext cx="1075214" cy="772200"/>
           </a:xfrm>
           <a:prstGeom prst="rect">
             <a:avLst/>
@@ -18028,7 +18003,7 @@
               </a:lnSpc>
             </a:pPr>
             <a:r>
-              <a:rPr lang="pt-BR" spc="-1" dirty="0">
+              <a:rPr lang="pt-BR" sz="1800" b="0" strike="noStrike" spc="-1" dirty="0">
                 <a:solidFill>
                   <a:srgbClr val="FFFFFF"/>
                 </a:solidFill>
@@ -18039,7 +18014,7 @@
                 </a:uFill>
                 <a:latin typeface="Calibri"/>
               </a:rPr>
-              <a:t>TCP/IP</a:t>
+              <a:t>WEBSIDE</a:t>
             </a:r>
             <a:endParaRPr lang="pt-BR" sz="1800" b="0" strike="noStrike" spc="-1" dirty="0">
               <a:solidFill>
@@ -18057,10 +18032,10 @@
       </p:sp>
       <p:sp>
         <p:nvSpPr>
-          <p:cNvPr id="97" name="CustomShape 23">
+          <p:cNvPr id="100" name="CustomShape 23">
             <a:extLst>
               <a:ext uri="{FF2B5EF4-FFF2-40B4-BE49-F238E27FC236}">
-                <a16:creationId xmlns:a16="http://schemas.microsoft.com/office/drawing/2014/main" id="{5427F770-CB59-4F22-AECD-EB17DB5DCAFF}"/>
+                <a16:creationId xmlns:a16="http://schemas.microsoft.com/office/drawing/2014/main" id="{5B3BE935-AFC2-439E-9C18-90E1B8FFACAB}"/>
               </a:ext>
             </a:extLst>
           </p:cNvPr>
@@ -18069,80 +18044,7 @@
         </p:nvSpPr>
         <p:spPr>
           <a:xfrm>
-            <a:off x="1309732" y="3975064"/>
-            <a:ext cx="1325217" cy="772200"/>
-          </a:xfrm>
-          <a:prstGeom prst="rect">
-            <a:avLst/>
-          </a:prstGeom>
-          <a:ln/>
-        </p:spPr>
-        <p:style>
-          <a:lnRef idx="2">
-            <a:schemeClr val="accent1">
-              <a:shade val="50000"/>
-            </a:schemeClr>
-          </a:lnRef>
-          <a:fillRef idx="1">
-            <a:schemeClr val="accent1"/>
-          </a:fillRef>
-          <a:effectRef idx="0">
-            <a:schemeClr val="accent1"/>
-          </a:effectRef>
-          <a:fontRef idx="minor"/>
-        </p:style>
-        <p:txBody>
-          <a:bodyPr lIns="90000" tIns="45000" rIns="90000" bIns="45000" anchor="ctr"/>
-          <a:lstStyle/>
-          <a:p>
-            <a:pPr algn="ctr">
-              <a:lnSpc>
-                <a:spcPct val="100000"/>
-              </a:lnSpc>
-            </a:pPr>
-            <a:r>
-              <a:rPr lang="pt-BR" sz="1800" b="0" strike="noStrike" spc="-1" dirty="0">
-                <a:solidFill>
-                  <a:srgbClr val="FFFFFF"/>
-                </a:solidFill>
-                <a:uFill>
-                  <a:solidFill>
-                    <a:srgbClr val="FFFFFF"/>
-                  </a:solidFill>
-                </a:uFill>
-                <a:latin typeface="Calibri"/>
-              </a:rPr>
-              <a:t>Ethernet Driver</a:t>
-            </a:r>
-            <a:endParaRPr lang="pt-BR" sz="1800" b="0" strike="noStrike" spc="-1" dirty="0">
-              <a:solidFill>
-                <a:srgbClr val="000000"/>
-              </a:solidFill>
-              <a:uFill>
-                <a:solidFill>
-                  <a:srgbClr val="FFFFFF"/>
-                </a:solidFill>
-              </a:uFill>
-              <a:latin typeface="Arial"/>
-            </a:endParaRPr>
-          </a:p>
-        </p:txBody>
-      </p:sp>
-      <p:sp>
-        <p:nvSpPr>
-          <p:cNvPr id="98" name="CustomShape 23">
-            <a:extLst>
-              <a:ext uri="{FF2B5EF4-FFF2-40B4-BE49-F238E27FC236}">
-                <a16:creationId xmlns:a16="http://schemas.microsoft.com/office/drawing/2014/main" id="{A7BCFFF2-FB2B-43A9-945C-B448BDABA0CE}"/>
-              </a:ext>
-            </a:extLst>
-          </p:cNvPr>
-          <p:cNvSpPr/>
-          <p:nvPr/>
-        </p:nvSpPr>
-        <p:spPr>
-          <a:xfrm>
-            <a:off x="815646" y="4813220"/>
+            <a:off x="4139761" y="4842631"/>
             <a:ext cx="1892880" cy="772200"/>
           </a:xfrm>
           <a:prstGeom prst="rect">
@@ -18174,152 +18076,6 @@
               </a:lnSpc>
             </a:pPr>
             <a:r>
-              <a:rPr lang="pt-BR" spc="-1" dirty="0">
-                <a:solidFill>
-                  <a:srgbClr val="FFFFFF"/>
-                </a:solidFill>
-                <a:uFill>
-                  <a:solidFill>
-                    <a:srgbClr val="FFFFFF"/>
-                  </a:solidFill>
-                </a:uFill>
-                <a:latin typeface="Calibri"/>
-              </a:rPr>
-              <a:t>EMAC</a:t>
-            </a:r>
-            <a:endParaRPr lang="pt-BR" sz="1800" b="0" strike="noStrike" spc="-1" dirty="0">
-              <a:solidFill>
-                <a:srgbClr val="000000"/>
-              </a:solidFill>
-              <a:uFill>
-                <a:solidFill>
-                  <a:srgbClr val="FFFFFF"/>
-                </a:solidFill>
-              </a:uFill>
-              <a:latin typeface="Arial"/>
-            </a:endParaRPr>
-          </a:p>
-        </p:txBody>
-      </p:sp>
-      <p:sp>
-        <p:nvSpPr>
-          <p:cNvPr id="99" name="CustomShape 23">
-            <a:extLst>
-              <a:ext uri="{FF2B5EF4-FFF2-40B4-BE49-F238E27FC236}">
-                <a16:creationId xmlns:a16="http://schemas.microsoft.com/office/drawing/2014/main" id="{287F315B-8135-43F3-AAD7-6A88F1553FD7}"/>
-              </a:ext>
-            </a:extLst>
-          </p:cNvPr>
-          <p:cNvSpPr/>
-          <p:nvPr/>
-        </p:nvSpPr>
-        <p:spPr>
-          <a:xfrm>
-            <a:off x="167982" y="3168330"/>
-            <a:ext cx="1075214" cy="772200"/>
-          </a:xfrm>
-          <a:prstGeom prst="rect">
-            <a:avLst/>
-          </a:prstGeom>
-          <a:ln/>
-        </p:spPr>
-        <p:style>
-          <a:lnRef idx="2">
-            <a:schemeClr val="accent1">
-              <a:shade val="50000"/>
-            </a:schemeClr>
-          </a:lnRef>
-          <a:fillRef idx="1">
-            <a:schemeClr val="accent1"/>
-          </a:fillRef>
-          <a:effectRef idx="0">
-            <a:schemeClr val="accent1"/>
-          </a:effectRef>
-          <a:fontRef idx="minor"/>
-        </p:style>
-        <p:txBody>
-          <a:bodyPr lIns="90000" tIns="45000" rIns="90000" bIns="45000" anchor="ctr"/>
-          <a:lstStyle/>
-          <a:p>
-            <a:pPr algn="ctr">
-              <a:lnSpc>
-                <a:spcPct val="100000"/>
-              </a:lnSpc>
-            </a:pPr>
-            <a:r>
-              <a:rPr lang="pt-BR" sz="1800" b="0" strike="noStrike" spc="-1" dirty="0">
-                <a:solidFill>
-                  <a:srgbClr val="FFFFFF"/>
-                </a:solidFill>
-                <a:uFill>
-                  <a:solidFill>
-                    <a:srgbClr val="FFFFFF"/>
-                  </a:solidFill>
-                </a:uFill>
-                <a:latin typeface="Calibri"/>
-              </a:rPr>
-              <a:t>WEBSIDE</a:t>
-            </a:r>
-            <a:endParaRPr lang="pt-BR" sz="1800" b="0" strike="noStrike" spc="-1" dirty="0">
-              <a:solidFill>
-                <a:srgbClr val="000000"/>
-              </a:solidFill>
-              <a:uFill>
-                <a:solidFill>
-                  <a:srgbClr val="FFFFFF"/>
-                </a:solidFill>
-              </a:uFill>
-              <a:latin typeface="Arial"/>
-            </a:endParaRPr>
-          </a:p>
-        </p:txBody>
-      </p:sp>
-      <p:sp>
-        <p:nvSpPr>
-          <p:cNvPr id="100" name="CustomShape 23">
-            <a:extLst>
-              <a:ext uri="{FF2B5EF4-FFF2-40B4-BE49-F238E27FC236}">
-                <a16:creationId xmlns:a16="http://schemas.microsoft.com/office/drawing/2014/main" id="{5B3BE935-AFC2-439E-9C18-90E1B8FFACAB}"/>
-              </a:ext>
-            </a:extLst>
-          </p:cNvPr>
-          <p:cNvSpPr/>
-          <p:nvPr/>
-        </p:nvSpPr>
-        <p:spPr>
-          <a:xfrm>
-            <a:off x="2814544" y="4813220"/>
-            <a:ext cx="1892880" cy="772200"/>
-          </a:xfrm>
-          <a:prstGeom prst="rect">
-            <a:avLst/>
-          </a:prstGeom>
-          <a:ln/>
-        </p:spPr>
-        <p:style>
-          <a:lnRef idx="2">
-            <a:schemeClr val="accent1">
-              <a:shade val="50000"/>
-            </a:schemeClr>
-          </a:lnRef>
-          <a:fillRef idx="1">
-            <a:schemeClr val="accent1"/>
-          </a:fillRef>
-          <a:effectRef idx="0">
-            <a:schemeClr val="accent1"/>
-          </a:effectRef>
-          <a:fontRef idx="minor"/>
-        </p:style>
-        <p:txBody>
-          <a:bodyPr lIns="90000" tIns="45000" rIns="90000" bIns="45000" anchor="ctr"/>
-          <a:lstStyle/>
-          <a:p>
-            <a:pPr algn="ctr">
-              <a:lnSpc>
-                <a:spcPct val="100000"/>
-              </a:lnSpc>
-            </a:pPr>
-            <a:r>
               <a:rPr lang="pt-BR" sz="1800" b="0" strike="noStrike" spc="-1" dirty="0">
                 <a:solidFill>
                   <a:srgbClr val="FFFFFF"/>
@@ -18361,7 +18117,7 @@
         </p:nvSpPr>
         <p:spPr>
           <a:xfrm>
-            <a:off x="7297394" y="4871933"/>
+            <a:off x="6716094" y="4884077"/>
             <a:ext cx="1892880" cy="772200"/>
           </a:xfrm>
           <a:prstGeom prst="rect">
